--- a/2. Report/PowerPoint/DATN_DinhXuanHau_10118383_101183.pptx
+++ b/2. Report/PowerPoint/DATN_DinhXuanHau_10118383_101183.pptx
@@ -4,6 +4,9 @@
   <p:sldMasterIdLst>
     <p:sldMasterId id="2147483660" r:id="rId1"/>
   </p:sldMasterIdLst>
+  <p:notesMasterIdLst>
+    <p:notesMasterId r:id="rId10"/>
+  </p:notesMasterIdLst>
   <p:sldIdLst>
     <p:sldId id="256" r:id="rId2"/>
     <p:sldId id="268" r:id="rId3"/>
@@ -12,8 +15,7 @@
     <p:sldId id="274" r:id="rId6"/>
     <p:sldId id="271" r:id="rId7"/>
     <p:sldId id="272" r:id="rId8"/>
-    <p:sldId id="273" r:id="rId9"/>
-    <p:sldId id="267" r:id="rId10"/>
+    <p:sldId id="267" r:id="rId9"/>
   </p:sldIdLst>
   <p:sldSz cx="9144000" cy="6858000" type="screen4x3"/>
   <p:notesSz cx="6858000" cy="9144000"/>
@@ -120,6 +122,355 @@
 </p:presentation>
 </file>
 
+<file path=ppt/notesMasters/notesMaster1.xml><?xml version="1.0" encoding="utf-8"?>
+<p:notesMaster xmlns:a="http://schemas.openxmlformats.org/drawingml/2006/main" xmlns:r="http://schemas.openxmlformats.org/officeDocument/2006/relationships" xmlns:p="http://schemas.openxmlformats.org/presentationml/2006/main">
+  <p:cSld>
+    <p:bg>
+      <p:bgRef idx="1001">
+        <a:schemeClr val="bg1"/>
+      </p:bgRef>
+    </p:bg>
+    <p:spTree>
+      <p:nvGrpSpPr>
+        <p:cNvPr id="1" name=""/>
+        <p:cNvGrpSpPr/>
+        <p:nvPr/>
+      </p:nvGrpSpPr>
+      <p:grpSpPr>
+        <a:xfrm>
+          <a:off x="0" y="0"/>
+          <a:ext cx="0" cy="0"/>
+          <a:chOff x="0" y="0"/>
+          <a:chExt cx="0" cy="0"/>
+        </a:xfrm>
+      </p:grpSpPr>
+      <p:sp>
+        <p:nvSpPr>
+          <p:cNvPr id="2" name="Header Placeholder 1"/>
+          <p:cNvSpPr>
+            <a:spLocks noGrp="1"/>
+          </p:cNvSpPr>
+          <p:nvPr>
+            <p:ph type="hdr" sz="quarter"/>
+          </p:nvPr>
+        </p:nvSpPr>
+        <p:spPr>
+          <a:xfrm>
+            <a:off x="0" y="0"/>
+            <a:ext cx="2971800" cy="458788"/>
+          </a:xfrm>
+          <a:prstGeom prst="rect">
+            <a:avLst/>
+          </a:prstGeom>
+        </p:spPr>
+        <p:txBody>
+          <a:bodyPr vert="horz" lIns="91440" tIns="45720" rIns="91440" bIns="45720" rtlCol="0"/>
+          <a:lstStyle>
+            <a:lvl1pPr algn="l">
+              <a:defRPr sz="1200"/>
+            </a:lvl1pPr>
+          </a:lstStyle>
+          <a:p>
+            <a:endParaRPr lang="en-US"/>
+          </a:p>
+        </p:txBody>
+      </p:sp>
+      <p:sp>
+        <p:nvSpPr>
+          <p:cNvPr id="3" name="Date Placeholder 2"/>
+          <p:cNvSpPr>
+            <a:spLocks noGrp="1"/>
+          </p:cNvSpPr>
+          <p:nvPr>
+            <p:ph type="dt" idx="1"/>
+          </p:nvPr>
+        </p:nvSpPr>
+        <p:spPr>
+          <a:xfrm>
+            <a:off x="3884613" y="0"/>
+            <a:ext cx="2971800" cy="458788"/>
+          </a:xfrm>
+          <a:prstGeom prst="rect">
+            <a:avLst/>
+          </a:prstGeom>
+        </p:spPr>
+        <p:txBody>
+          <a:bodyPr vert="horz" lIns="91440" tIns="45720" rIns="91440" bIns="45720" rtlCol="0"/>
+          <a:lstStyle>
+            <a:lvl1pPr algn="r">
+              <a:defRPr sz="1200"/>
+            </a:lvl1pPr>
+          </a:lstStyle>
+          <a:p>
+            <a:fld id="{3C404A12-E571-467A-B730-E49AAFF06CCC}" type="datetimeFigureOut">
+              <a:rPr lang="en-US" smtClean="0"/>
+              <a:t>21/06/2022</a:t>
+            </a:fld>
+            <a:endParaRPr lang="en-US"/>
+          </a:p>
+        </p:txBody>
+      </p:sp>
+      <p:sp>
+        <p:nvSpPr>
+          <p:cNvPr id="4" name="Slide Image Placeholder 3"/>
+          <p:cNvSpPr>
+            <a:spLocks noGrp="1" noRot="1" noChangeAspect="1"/>
+          </p:cNvSpPr>
+          <p:nvPr>
+            <p:ph type="sldImg" idx="2"/>
+          </p:nvPr>
+        </p:nvSpPr>
+        <p:spPr>
+          <a:xfrm>
+            <a:off x="1371600" y="1143000"/>
+            <a:ext cx="4114800" cy="3086100"/>
+          </a:xfrm>
+          <a:prstGeom prst="rect">
+            <a:avLst/>
+          </a:prstGeom>
+          <a:noFill/>
+          <a:ln w="12700">
+            <a:solidFill>
+              <a:prstClr val="black"/>
+            </a:solidFill>
+          </a:ln>
+        </p:spPr>
+        <p:txBody>
+          <a:bodyPr vert="horz" lIns="91440" tIns="45720" rIns="91440" bIns="45720" rtlCol="0" anchor="ctr"/>
+          <a:lstStyle/>
+          <a:p>
+            <a:endParaRPr lang="en-US"/>
+          </a:p>
+        </p:txBody>
+      </p:sp>
+      <p:sp>
+        <p:nvSpPr>
+          <p:cNvPr id="5" name="Notes Placeholder 4"/>
+          <p:cNvSpPr>
+            <a:spLocks noGrp="1"/>
+          </p:cNvSpPr>
+          <p:nvPr>
+            <p:ph type="body" sz="quarter" idx="3"/>
+          </p:nvPr>
+        </p:nvSpPr>
+        <p:spPr>
+          <a:xfrm>
+            <a:off x="685800" y="4400550"/>
+            <a:ext cx="5486400" cy="3600450"/>
+          </a:xfrm>
+          <a:prstGeom prst="rect">
+            <a:avLst/>
+          </a:prstGeom>
+        </p:spPr>
+        <p:txBody>
+          <a:bodyPr vert="horz" lIns="91440" tIns="45720" rIns="91440" bIns="45720" rtlCol="0"/>
+          <a:lstStyle/>
+          <a:p>
+            <a:pPr lvl="0"/>
+            <a:r>
+              <a:rPr lang="en-US"/>
+              <a:t>Click to edit Master text styles</a:t>
+            </a:r>
+          </a:p>
+          <a:p>
+            <a:pPr lvl="1"/>
+            <a:r>
+              <a:rPr lang="en-US"/>
+              <a:t>Second level</a:t>
+            </a:r>
+          </a:p>
+          <a:p>
+            <a:pPr lvl="2"/>
+            <a:r>
+              <a:rPr lang="en-US"/>
+              <a:t>Third level</a:t>
+            </a:r>
+          </a:p>
+          <a:p>
+            <a:pPr lvl="3"/>
+            <a:r>
+              <a:rPr lang="en-US"/>
+              <a:t>Fourth level</a:t>
+            </a:r>
+          </a:p>
+          <a:p>
+            <a:pPr lvl="4"/>
+            <a:r>
+              <a:rPr lang="en-US"/>
+              <a:t>Fifth level</a:t>
+            </a:r>
+          </a:p>
+        </p:txBody>
+      </p:sp>
+      <p:sp>
+        <p:nvSpPr>
+          <p:cNvPr id="6" name="Footer Placeholder 5"/>
+          <p:cNvSpPr>
+            <a:spLocks noGrp="1"/>
+          </p:cNvSpPr>
+          <p:nvPr>
+            <p:ph type="ftr" sz="quarter" idx="4"/>
+          </p:nvPr>
+        </p:nvSpPr>
+        <p:spPr>
+          <a:xfrm>
+            <a:off x="0" y="8685213"/>
+            <a:ext cx="2971800" cy="458787"/>
+          </a:xfrm>
+          <a:prstGeom prst="rect">
+            <a:avLst/>
+          </a:prstGeom>
+        </p:spPr>
+        <p:txBody>
+          <a:bodyPr vert="horz" lIns="91440" tIns="45720" rIns="91440" bIns="45720" rtlCol="0" anchor="b"/>
+          <a:lstStyle>
+            <a:lvl1pPr algn="l">
+              <a:defRPr sz="1200"/>
+            </a:lvl1pPr>
+          </a:lstStyle>
+          <a:p>
+            <a:endParaRPr lang="en-US"/>
+          </a:p>
+        </p:txBody>
+      </p:sp>
+      <p:sp>
+        <p:nvSpPr>
+          <p:cNvPr id="7" name="Slide Number Placeholder 6"/>
+          <p:cNvSpPr>
+            <a:spLocks noGrp="1"/>
+          </p:cNvSpPr>
+          <p:nvPr>
+            <p:ph type="sldNum" sz="quarter" idx="5"/>
+          </p:nvPr>
+        </p:nvSpPr>
+        <p:spPr>
+          <a:xfrm>
+            <a:off x="3884613" y="8685213"/>
+            <a:ext cx="2971800" cy="458787"/>
+          </a:xfrm>
+          <a:prstGeom prst="rect">
+            <a:avLst/>
+          </a:prstGeom>
+        </p:spPr>
+        <p:txBody>
+          <a:bodyPr vert="horz" lIns="91440" tIns="45720" rIns="91440" bIns="45720" rtlCol="0" anchor="b"/>
+          <a:lstStyle>
+            <a:lvl1pPr algn="r">
+              <a:defRPr sz="1200"/>
+            </a:lvl1pPr>
+          </a:lstStyle>
+          <a:p>
+            <a:fld id="{9DE81E1A-F1C2-43B1-B57B-BF1A7CF03116}" type="slidenum">
+              <a:rPr lang="en-US" smtClean="0"/>
+              <a:t>‹#›</a:t>
+            </a:fld>
+            <a:endParaRPr lang="en-US"/>
+          </a:p>
+        </p:txBody>
+      </p:sp>
+    </p:spTree>
+    <p:extLst>
+      <p:ext uri="{BB962C8B-B14F-4D97-AF65-F5344CB8AC3E}">
+        <p14:creationId xmlns:p14="http://schemas.microsoft.com/office/powerpoint/2010/main" val="3710765681"/>
+      </p:ext>
+    </p:extLst>
+  </p:cSld>
+  <p:clrMap bg1="lt1" tx1="dk1" bg2="lt2" tx2="dk2" accent1="accent1" accent2="accent2" accent3="accent3" accent4="accent4" accent5="accent5" accent6="accent6" hlink="hlink" folHlink="folHlink"/>
+  <p:notesStyle>
+    <a:lvl1pPr marL="0" algn="l" defTabSz="914400" rtl="0" eaLnBrk="1" latinLnBrk="0" hangingPunct="1">
+      <a:defRPr sz="1200" kern="1200">
+        <a:solidFill>
+          <a:schemeClr val="tx1"/>
+        </a:solidFill>
+        <a:latin typeface="+mn-lt"/>
+        <a:ea typeface="+mn-ea"/>
+        <a:cs typeface="+mn-cs"/>
+      </a:defRPr>
+    </a:lvl1pPr>
+    <a:lvl2pPr marL="457200" algn="l" defTabSz="914400" rtl="0" eaLnBrk="1" latinLnBrk="0" hangingPunct="1">
+      <a:defRPr sz="1200" kern="1200">
+        <a:solidFill>
+          <a:schemeClr val="tx1"/>
+        </a:solidFill>
+        <a:latin typeface="+mn-lt"/>
+        <a:ea typeface="+mn-ea"/>
+        <a:cs typeface="+mn-cs"/>
+      </a:defRPr>
+    </a:lvl2pPr>
+    <a:lvl3pPr marL="914400" algn="l" defTabSz="914400" rtl="0" eaLnBrk="1" latinLnBrk="0" hangingPunct="1">
+      <a:defRPr sz="1200" kern="1200">
+        <a:solidFill>
+          <a:schemeClr val="tx1"/>
+        </a:solidFill>
+        <a:latin typeface="+mn-lt"/>
+        <a:ea typeface="+mn-ea"/>
+        <a:cs typeface="+mn-cs"/>
+      </a:defRPr>
+    </a:lvl3pPr>
+    <a:lvl4pPr marL="1371600" algn="l" defTabSz="914400" rtl="0" eaLnBrk="1" latinLnBrk="0" hangingPunct="1">
+      <a:defRPr sz="1200" kern="1200">
+        <a:solidFill>
+          <a:schemeClr val="tx1"/>
+        </a:solidFill>
+        <a:latin typeface="+mn-lt"/>
+        <a:ea typeface="+mn-ea"/>
+        <a:cs typeface="+mn-cs"/>
+      </a:defRPr>
+    </a:lvl4pPr>
+    <a:lvl5pPr marL="1828800" algn="l" defTabSz="914400" rtl="0" eaLnBrk="1" latinLnBrk="0" hangingPunct="1">
+      <a:defRPr sz="1200" kern="1200">
+        <a:solidFill>
+          <a:schemeClr val="tx1"/>
+        </a:solidFill>
+        <a:latin typeface="+mn-lt"/>
+        <a:ea typeface="+mn-ea"/>
+        <a:cs typeface="+mn-cs"/>
+      </a:defRPr>
+    </a:lvl5pPr>
+    <a:lvl6pPr marL="2286000" algn="l" defTabSz="914400" rtl="0" eaLnBrk="1" latinLnBrk="0" hangingPunct="1">
+      <a:defRPr sz="1200" kern="1200">
+        <a:solidFill>
+          <a:schemeClr val="tx1"/>
+        </a:solidFill>
+        <a:latin typeface="+mn-lt"/>
+        <a:ea typeface="+mn-ea"/>
+        <a:cs typeface="+mn-cs"/>
+      </a:defRPr>
+    </a:lvl6pPr>
+    <a:lvl7pPr marL="2743200" algn="l" defTabSz="914400" rtl="0" eaLnBrk="1" latinLnBrk="0" hangingPunct="1">
+      <a:defRPr sz="1200" kern="1200">
+        <a:solidFill>
+          <a:schemeClr val="tx1"/>
+        </a:solidFill>
+        <a:latin typeface="+mn-lt"/>
+        <a:ea typeface="+mn-ea"/>
+        <a:cs typeface="+mn-cs"/>
+      </a:defRPr>
+    </a:lvl7pPr>
+    <a:lvl8pPr marL="3200400" algn="l" defTabSz="914400" rtl="0" eaLnBrk="1" latinLnBrk="0" hangingPunct="1">
+      <a:defRPr sz="1200" kern="1200">
+        <a:solidFill>
+          <a:schemeClr val="tx1"/>
+        </a:solidFill>
+        <a:latin typeface="+mn-lt"/>
+        <a:ea typeface="+mn-ea"/>
+        <a:cs typeface="+mn-cs"/>
+      </a:defRPr>
+    </a:lvl8pPr>
+    <a:lvl9pPr marL="3657600" algn="l" defTabSz="914400" rtl="0" eaLnBrk="1" latinLnBrk="0" hangingPunct="1">
+      <a:defRPr sz="1200" kern="1200">
+        <a:solidFill>
+          <a:schemeClr val="tx1"/>
+        </a:solidFill>
+        <a:latin typeface="+mn-lt"/>
+        <a:ea typeface="+mn-ea"/>
+        <a:cs typeface="+mn-cs"/>
+      </a:defRPr>
+    </a:lvl9pPr>
+  </p:notesStyle>
+</p:notesMaster>
+</file>
+
 <file path=ppt/slideLayouts/slideLayout1.xml><?xml version="1.0" encoding="utf-8"?>
 <p:sldLayout xmlns:a="http://schemas.openxmlformats.org/drawingml/2006/main" xmlns:r="http://schemas.openxmlformats.org/officeDocument/2006/relationships" xmlns:p="http://schemas.openxmlformats.org/presentationml/2006/main" preserve="1" userDrawn="1">
   <p:cSld name="Title Slide">
@@ -448,9 +799,9 @@
           <a:bodyPr/>
           <a:lstStyle/>
           <a:p>
-            <a:fld id="{81121AB0-F93E-B641-9B12-96D54E27D8A1}" type="datetimeFigureOut">
+            <a:fld id="{3C797A6B-9AA9-4BC4-B4EF-4AC841ECFB27}" type="datetime1">
               <a:rPr lang="en-US" smtClean="0"/>
-              <a:t>20/06/2022</a:t>
+              <a:t>21/06/2022</a:t>
             </a:fld>
             <a:endParaRPr lang="en-US"/>
           </a:p>
@@ -631,9 +982,9 @@
           <a:bodyPr/>
           <a:lstStyle/>
           <a:p>
-            <a:fld id="{81121AB0-F93E-B641-9B12-96D54E27D8A1}" type="datetimeFigureOut">
+            <a:fld id="{4A50871B-C5EE-4D00-BC9C-EFC0E6BD3500}" type="datetime1">
               <a:rPr lang="en-US" smtClean="0"/>
-              <a:t>20/06/2022</a:t>
+              <a:t>21/06/2022</a:t>
             </a:fld>
             <a:endParaRPr lang="en-US"/>
           </a:p>
@@ -914,10 +1265,9 @@
             </a:lvl1pPr>
           </a:lstStyle>
           <a:p>
-            <a:fld id="{81121AB0-F93E-B641-9B12-96D54E27D8A1}" type="datetimeFigureOut">
+            <a:fld id="{DACA4A87-EFA1-4AE9-A565-847FAD8E0B1E}" type="datetime1">
               <a:rPr lang="en-US" smtClean="0"/>
-              <a:pPr/>
-              <a:t>20/06/2022</a:t>
+              <a:t>21/06/2022</a:t>
             </a:fld>
             <a:endParaRPr lang="en-US"/>
           </a:p>
@@ -1177,9 +1527,9 @@
           <a:bodyPr/>
           <a:lstStyle/>
           <a:p>
-            <a:fld id="{81121AB0-F93E-B641-9B12-96D54E27D8A1}" type="datetimeFigureOut">
+            <a:fld id="{2320FBD2-32EF-4639-90F4-014D637C1818}" type="datetime1">
               <a:rPr lang="en-US" smtClean="0"/>
-              <a:t>20/06/2022</a:t>
+              <a:t>21/06/2022</a:t>
             </a:fld>
             <a:endParaRPr lang="en-US"/>
           </a:p>
@@ -1404,9 +1754,9 @@
           <a:bodyPr/>
           <a:lstStyle/>
           <a:p>
-            <a:fld id="{81121AB0-F93E-B641-9B12-96D54E27D8A1}" type="datetimeFigureOut">
+            <a:fld id="{42C71538-0206-406D-BD3C-9DBF64C87DB7}" type="datetime1">
               <a:rPr lang="en-US" smtClean="0"/>
-              <a:t>20/06/2022</a:t>
+              <a:t>21/06/2022</a:t>
             </a:fld>
             <a:endParaRPr lang="en-US"/>
           </a:p>
@@ -1774,9 +2124,9 @@
           <a:bodyPr/>
           <a:lstStyle/>
           <a:p>
-            <a:fld id="{81121AB0-F93E-B641-9B12-96D54E27D8A1}" type="datetimeFigureOut">
+            <a:fld id="{63DDFA1B-7E80-410D-9CA7-ABD7E14151AE}" type="datetime1">
               <a:rPr lang="en-US" smtClean="0"/>
-              <a:t>20/06/2022</a:t>
+              <a:t>21/06/2022</a:t>
             </a:fld>
             <a:endParaRPr lang="en-US"/>
           </a:p>
@@ -1887,9 +2237,9 @@
           <a:bodyPr/>
           <a:lstStyle/>
           <a:p>
-            <a:fld id="{81121AB0-F93E-B641-9B12-96D54E27D8A1}" type="datetimeFigureOut">
+            <a:fld id="{16102CFC-1E59-4AE1-A2BF-468DDBC2A637}" type="datetime1">
               <a:rPr lang="en-US" smtClean="0"/>
-              <a:t>20/06/2022</a:t>
+              <a:t>21/06/2022</a:t>
             </a:fld>
             <a:endParaRPr lang="en-US"/>
           </a:p>
@@ -1977,9 +2327,9 @@
           <a:bodyPr/>
           <a:lstStyle/>
           <a:p>
-            <a:fld id="{81121AB0-F93E-B641-9B12-96D54E27D8A1}" type="datetimeFigureOut">
+            <a:fld id="{7790A3DE-9033-4D2B-9DB4-0C8E7FB3F318}" type="datetime1">
               <a:rPr lang="en-US" smtClean="0"/>
-              <a:t>20/06/2022</a:t>
+              <a:t>21/06/2022</a:t>
             </a:fld>
             <a:endParaRPr lang="en-US"/>
           </a:p>
@@ -2253,9 +2603,9 @@
           <a:bodyPr/>
           <a:lstStyle/>
           <a:p>
-            <a:fld id="{81121AB0-F93E-B641-9B12-96D54E27D8A1}" type="datetimeFigureOut">
+            <a:fld id="{E7DCF467-B30E-459B-A83A-96119783582A}" type="datetime1">
               <a:rPr lang="en-US" smtClean="0"/>
-              <a:t>20/06/2022</a:t>
+              <a:t>21/06/2022</a:t>
             </a:fld>
             <a:endParaRPr lang="en-US"/>
           </a:p>
@@ -2505,9 +2855,9 @@
           <a:bodyPr/>
           <a:lstStyle/>
           <a:p>
-            <a:fld id="{81121AB0-F93E-B641-9B12-96D54E27D8A1}" type="datetimeFigureOut">
+            <a:fld id="{708F15CA-DAAD-4F90-8179-96B457DF622A}" type="datetime1">
               <a:rPr lang="en-US" smtClean="0"/>
-              <a:t>20/06/2022</a:t>
+              <a:t>21/06/2022</a:t>
             </a:fld>
             <a:endParaRPr lang="en-US"/>
           </a:p>
@@ -2722,10 +3072,9 @@
             </a:lvl1pPr>
           </a:lstStyle>
           <a:p>
-            <a:fld id="{81121AB0-F93E-B641-9B12-96D54E27D8A1}" type="datetimeFigureOut">
+            <a:fld id="{55944A65-E38A-4DF9-BB39-0629019B421C}" type="datetime1">
               <a:rPr lang="en-US" smtClean="0"/>
-              <a:pPr/>
-              <a:t>20/06/2022</a:t>
+              <a:t>21/06/2022</a:t>
             </a:fld>
             <a:endParaRPr lang="en-US"/>
           </a:p>
@@ -2830,6 +3179,7 @@
     <p:sldLayoutId id="2147483671" r:id="rId11"/>
     <p:sldLayoutId id="2147483672" r:id="rId12"/>
   </p:sldLayoutIdLst>
+  <p:hf hdr="0" ftr="0"/>
   <p:txStyles>
     <p:titleStyle>
       <a:lvl1pPr algn="l" defTabSz="914400" rtl="0" eaLnBrk="1" latinLnBrk="0" hangingPunct="1">
@@ -3150,8 +3500,8 @@
         </p:nvSpPr>
         <p:spPr>
           <a:xfrm>
-            <a:off x="135793" y="4724199"/>
-            <a:ext cx="6388172" cy="781698"/>
+            <a:off x="135793" y="3616036"/>
+            <a:ext cx="6388172" cy="1889861"/>
           </a:xfrm>
         </p:spPr>
         <p:txBody>
@@ -3513,10 +3863,10 @@
       </p:sp>
       <p:sp>
         <p:nvSpPr>
-          <p:cNvPr id="2" name="TextBox 1">
+          <p:cNvPr id="7" name="TextBox 6">
             <a:extLst>
               <a:ext uri="{FF2B5EF4-FFF2-40B4-BE49-F238E27FC236}">
-                <a16:creationId xmlns:a16="http://schemas.microsoft.com/office/drawing/2014/main" id="{85C36CEC-09C1-14DF-834A-A50002B8DDCB}"/>
+                <a16:creationId xmlns:a16="http://schemas.microsoft.com/office/drawing/2014/main" id="{E504610B-6B13-4F1E-21FE-80687D850C09}"/>
               </a:ext>
             </a:extLst>
           </p:cNvPr>
@@ -3525,8 +3875,8 @@
         </p:nvSpPr>
         <p:spPr>
           <a:xfrm>
-            <a:off x="1717963" y="207818"/>
-            <a:ext cx="5708073" cy="769441"/>
+            <a:off x="2105891" y="349964"/>
+            <a:ext cx="4932218" cy="646331"/>
           </a:xfrm>
           <a:prstGeom prst="rect">
             <a:avLst/>
@@ -3541,9 +3891,8 @@
           <a:p>
             <a:pPr algn="ctr"/>
             <a:r>
-              <a:rPr lang="en-US" sz="4400" b="1" dirty="0">
+              <a:rPr lang="en-US" sz="3600" b="1" dirty="0">
                 <a:latin typeface="+mj-lt"/>
-                <a:cs typeface="Arial" panose="020B0604020202020204" pitchFamily="34" charset="0"/>
               </a:rPr>
               <a:t>ĐỒ ÁN TỐT NGHIỆP</a:t>
             </a:r>
@@ -3644,7 +3993,7 @@
         </p:nvSpPr>
         <p:spPr bwMode="gray">
           <a:xfrm>
-            <a:off x="2168836" y="5077422"/>
+            <a:off x="1545381" y="5696782"/>
             <a:ext cx="5612567" cy="508000"/>
           </a:xfrm>
           <a:prstGeom prst="roundRect">
@@ -3730,7 +4079,7 @@
         </p:nvSpPr>
         <p:spPr bwMode="gray">
           <a:xfrm>
-            <a:off x="2736459" y="2699282"/>
+            <a:off x="2492762" y="2132860"/>
             <a:ext cx="5424985" cy="508000"/>
           </a:xfrm>
           <a:prstGeom prst="roundRect">
@@ -3791,7 +4140,7 @@
                 <a:latin typeface="Times New Roman" panose="02020603050405020304" pitchFamily="18" charset="0"/>
                 <a:cs typeface="Times New Roman" panose="02020603050405020304" pitchFamily="18" charset="0"/>
               </a:rPr>
-              <a:t>Phân</a:t>
+              <a:t>Tổng</a:t>
             </a:r>
             <a:r>
               <a:rPr lang="en-US" b="1" dirty="0">
@@ -3805,7 +4154,7 @@
                 <a:latin typeface="Times New Roman" panose="02020603050405020304" pitchFamily="18" charset="0"/>
                 <a:cs typeface="Times New Roman" panose="02020603050405020304" pitchFamily="18" charset="0"/>
               </a:rPr>
-              <a:t>tích</a:t>
+              <a:t>quan</a:t>
             </a:r>
             <a:r>
               <a:rPr lang="en-US" b="1" dirty="0">
@@ -3819,7 +4168,7 @@
                 <a:latin typeface="Times New Roman" panose="02020603050405020304" pitchFamily="18" charset="0"/>
                 <a:cs typeface="Times New Roman" panose="02020603050405020304" pitchFamily="18" charset="0"/>
               </a:rPr>
-              <a:t>và</a:t>
+              <a:t>về</a:t>
             </a:r>
             <a:r>
               <a:rPr lang="en-US" b="1" dirty="0">
@@ -3833,7 +4182,7 @@
                 <a:latin typeface="Times New Roman" panose="02020603050405020304" pitchFamily="18" charset="0"/>
                 <a:cs typeface="Times New Roman" panose="02020603050405020304" pitchFamily="18" charset="0"/>
               </a:rPr>
-              <a:t>thiết</a:t>
+              <a:t>hệ</a:t>
             </a:r>
             <a:r>
               <a:rPr lang="en-US" b="1" dirty="0">
@@ -3847,7 +4196,7 @@
                 <a:latin typeface="Times New Roman" panose="02020603050405020304" pitchFamily="18" charset="0"/>
                 <a:cs typeface="Times New Roman" panose="02020603050405020304" pitchFamily="18" charset="0"/>
               </a:rPr>
-              <a:t>kế</a:t>
+              <a:t>thống</a:t>
             </a:r>
             <a:r>
               <a:rPr lang="en-US" b="1" dirty="0">
@@ -3861,21 +4210,7 @@
                 <a:latin typeface="Times New Roman" panose="02020603050405020304" pitchFamily="18" charset="0"/>
                 <a:cs typeface="Times New Roman" panose="02020603050405020304" pitchFamily="18" charset="0"/>
               </a:rPr>
-              <a:t>hệ</a:t>
-            </a:r>
-            <a:r>
-              <a:rPr lang="en-US" b="1" dirty="0">
-                <a:latin typeface="Times New Roman" panose="02020603050405020304" pitchFamily="18" charset="0"/>
-                <a:cs typeface="Times New Roman" panose="02020603050405020304" pitchFamily="18" charset="0"/>
-              </a:rPr>
-              <a:t> </a:t>
-            </a:r>
-            <a:r>
-              <a:rPr lang="en-US" b="1" dirty="0" err="1">
-                <a:latin typeface="Times New Roman" panose="02020603050405020304" pitchFamily="18" charset="0"/>
-                <a:cs typeface="Times New Roman" panose="02020603050405020304" pitchFamily="18" charset="0"/>
-              </a:rPr>
-              <a:t>thống</a:t>
+              <a:t>nhúng</a:t>
             </a:r>
             <a:endParaRPr lang="en-US" b="1" dirty="0">
               <a:latin typeface="Times New Roman" panose="02020603050405020304" pitchFamily="18" charset="0"/>
@@ -3900,7 +4235,7 @@
         </p:nvSpPr>
         <p:spPr bwMode="gray">
           <a:xfrm>
-            <a:off x="2181537" y="1575631"/>
+            <a:off x="1579786" y="1001404"/>
             <a:ext cx="5168900" cy="508000"/>
           </a:xfrm>
           <a:prstGeom prst="roundRect">
@@ -4003,7 +4338,7 @@
                 <a:latin typeface="Times New Roman" panose="02020603050405020304" pitchFamily="18" charset="0"/>
                 <a:cs typeface="Times New Roman" panose="02020603050405020304" pitchFamily="18" charset="0"/>
               </a:rPr>
-              <a:t>hệ</a:t>
+              <a:t>đề</a:t>
             </a:r>
             <a:r>
               <a:rPr lang="en-US" b="1" dirty="0">
@@ -4017,21 +4352,7 @@
                 <a:latin typeface="Times New Roman" panose="02020603050405020304" pitchFamily="18" charset="0"/>
                 <a:cs typeface="Times New Roman" panose="02020603050405020304" pitchFamily="18" charset="0"/>
               </a:rPr>
-              <a:t>thống</a:t>
-            </a:r>
-            <a:r>
-              <a:rPr lang="en-US" b="1" dirty="0">
-                <a:latin typeface="Times New Roman" panose="02020603050405020304" pitchFamily="18" charset="0"/>
-                <a:cs typeface="Times New Roman" panose="02020603050405020304" pitchFamily="18" charset="0"/>
-              </a:rPr>
-              <a:t> </a:t>
-            </a:r>
-            <a:r>
-              <a:rPr lang="en-US" b="1" dirty="0" err="1">
-                <a:latin typeface="Times New Roman" panose="02020603050405020304" pitchFamily="18" charset="0"/>
-                <a:cs typeface="Times New Roman" panose="02020603050405020304" pitchFamily="18" charset="0"/>
-              </a:rPr>
-              <a:t>nhúng</a:t>
+              <a:t>tài</a:t>
             </a:r>
             <a:endParaRPr lang="en-US" b="1" dirty="0">
               <a:latin typeface="Times New Roman" panose="02020603050405020304" pitchFamily="18" charset="0"/>
@@ -4056,7 +4377,7 @@
         </p:nvGrpSpPr>
         <p:grpSpPr bwMode="auto">
           <a:xfrm>
-            <a:off x="1864037" y="1664531"/>
+            <a:off x="1262286" y="1090304"/>
             <a:ext cx="381000" cy="381000"/>
             <a:chOff x="2078" y="1680"/>
             <a:chExt cx="1615" cy="1615"/>
@@ -4553,7 +4874,7 @@
         </p:nvGrpSpPr>
         <p:grpSpPr bwMode="auto">
           <a:xfrm>
-            <a:off x="2431660" y="2805645"/>
+            <a:off x="2187963" y="2239223"/>
             <a:ext cx="381000" cy="381000"/>
             <a:chOff x="2078" y="1680"/>
             <a:chExt cx="1615" cy="1615"/>
@@ -5050,7 +5371,7 @@
         </p:nvGrpSpPr>
         <p:grpSpPr bwMode="auto">
           <a:xfrm>
-            <a:off x="1864037" y="5153622"/>
+            <a:off x="1240582" y="5772982"/>
             <a:ext cx="381000" cy="381000"/>
             <a:chOff x="2078" y="1680"/>
             <a:chExt cx="1615" cy="1615"/>
@@ -5892,7 +6213,7 @@
         </p:nvSpPr>
         <p:spPr bwMode="gray">
           <a:xfrm>
-            <a:off x="2790720" y="3867311"/>
+            <a:off x="2604825" y="4565326"/>
             <a:ext cx="5343421" cy="529445"/>
           </a:xfrm>
           <a:prstGeom prst="roundRect">
@@ -6062,7 +6383,7 @@
         </p:nvGrpSpPr>
         <p:grpSpPr bwMode="auto">
           <a:xfrm>
-            <a:off x="2431660" y="3943722"/>
+            <a:off x="2245765" y="4641737"/>
             <a:ext cx="381000" cy="381000"/>
             <a:chOff x="2078" y="1680"/>
             <a:chExt cx="1615" cy="1615"/>
@@ -6543,6 +6864,732 @@
           </p:txBody>
         </p:sp>
       </p:grpSp>
+      <p:sp>
+        <p:nvSpPr>
+          <p:cNvPr id="37" name="AutoShape 9">
+            <a:extLst>
+              <a:ext uri="{FF2B5EF4-FFF2-40B4-BE49-F238E27FC236}">
+                <a16:creationId xmlns:a16="http://schemas.microsoft.com/office/drawing/2014/main" id="{0E3F0F66-696B-E58D-C769-9E09BA1E182E}"/>
+              </a:ext>
+            </a:extLst>
+          </p:cNvPr>
+          <p:cNvSpPr>
+            <a:spLocks noChangeArrowheads="1"/>
+          </p:cNvSpPr>
+          <p:nvPr/>
+        </p:nvSpPr>
+        <p:spPr bwMode="gray">
+          <a:xfrm>
+            <a:off x="2825223" y="3349093"/>
+            <a:ext cx="5424985" cy="508000"/>
+          </a:xfrm>
+          <a:prstGeom prst="roundRect">
+            <a:avLst>
+              <a:gd name="adj" fmla="val 50000"/>
+            </a:avLst>
+          </a:prstGeom>
+          <a:noFill/>
+          <a:ln w="28575" algn="ctr">
+            <a:solidFill>
+              <a:schemeClr val="bg2"/>
+            </a:solidFill>
+            <a:round/>
+            <a:headEnd/>
+            <a:tailEnd/>
+          </a:ln>
+          <a:effectLst/>
+          <a:extLst>
+            <a:ext uri="{909E8E84-426E-40DD-AFC4-6F175D3DCCD1}">
+              <a14:hiddenFill xmlns:a14="http://schemas.microsoft.com/office/drawing/2010/main">
+                <a:gradFill rotWithShape="1">
+                  <a:gsLst>
+                    <a:gs pos="0">
+                      <a:schemeClr val="folHlink">
+                        <a:gamma/>
+                        <a:tint val="0"/>
+                        <a:invGamma/>
+                      </a:schemeClr>
+                    </a:gs>
+                    <a:gs pos="100000">
+                      <a:schemeClr val="folHlink"/>
+                    </a:gs>
+                  </a:gsLst>
+                  <a:lin ang="0" scaled="1"/>
+                </a:gradFill>
+              </a14:hiddenFill>
+            </a:ext>
+            <a:ext uri="{AF507438-7753-43E0-B8FC-AC1667EBCBE1}">
+              <a14:hiddenEffects xmlns:a14="http://schemas.microsoft.com/office/drawing/2010/main">
+                <a:effectLst>
+                  <a:outerShdw dist="76200" dir="10800000" kx="-3284103" algn="br" rotWithShape="0">
+                    <a:schemeClr val="bg2">
+                      <a:alpha val="50000"/>
+                    </a:schemeClr>
+                  </a:outerShdw>
+                </a:effectLst>
+              </a14:hiddenEffects>
+            </a:ext>
+          </a:extLst>
+        </p:spPr>
+        <p:txBody>
+          <a:bodyPr wrap="none" anchor="ctr"/>
+          <a:lstStyle/>
+          <a:p>
+            <a:pPr eaLnBrk="0" hangingPunct="0"/>
+            <a:r>
+              <a:rPr lang="en-US" b="1" dirty="0" err="1">
+                <a:latin typeface="Times New Roman" panose="02020603050405020304" pitchFamily="18" charset="0"/>
+                <a:cs typeface="Times New Roman" panose="02020603050405020304" pitchFamily="18" charset="0"/>
+              </a:rPr>
+              <a:t>Phân</a:t>
+            </a:r>
+            <a:r>
+              <a:rPr lang="en-US" b="1" dirty="0">
+                <a:latin typeface="Times New Roman" panose="02020603050405020304" pitchFamily="18" charset="0"/>
+                <a:cs typeface="Times New Roman" panose="02020603050405020304" pitchFamily="18" charset="0"/>
+              </a:rPr>
+              <a:t> </a:t>
+            </a:r>
+            <a:r>
+              <a:rPr lang="en-US" b="1" dirty="0" err="1">
+                <a:latin typeface="Times New Roman" panose="02020603050405020304" pitchFamily="18" charset="0"/>
+                <a:cs typeface="Times New Roman" panose="02020603050405020304" pitchFamily="18" charset="0"/>
+              </a:rPr>
+              <a:t>tích</a:t>
+            </a:r>
+            <a:r>
+              <a:rPr lang="en-US" b="1" dirty="0">
+                <a:latin typeface="Times New Roman" panose="02020603050405020304" pitchFamily="18" charset="0"/>
+                <a:cs typeface="Times New Roman" panose="02020603050405020304" pitchFamily="18" charset="0"/>
+              </a:rPr>
+              <a:t> </a:t>
+            </a:r>
+            <a:r>
+              <a:rPr lang="en-US" b="1" dirty="0" err="1">
+                <a:latin typeface="Times New Roman" panose="02020603050405020304" pitchFamily="18" charset="0"/>
+                <a:cs typeface="Times New Roman" panose="02020603050405020304" pitchFamily="18" charset="0"/>
+              </a:rPr>
+              <a:t>và</a:t>
+            </a:r>
+            <a:r>
+              <a:rPr lang="en-US" b="1" dirty="0">
+                <a:latin typeface="Times New Roman" panose="02020603050405020304" pitchFamily="18" charset="0"/>
+                <a:cs typeface="Times New Roman" panose="02020603050405020304" pitchFamily="18" charset="0"/>
+              </a:rPr>
+              <a:t> </a:t>
+            </a:r>
+            <a:r>
+              <a:rPr lang="en-US" b="1" dirty="0" err="1">
+                <a:latin typeface="Times New Roman" panose="02020603050405020304" pitchFamily="18" charset="0"/>
+                <a:cs typeface="Times New Roman" panose="02020603050405020304" pitchFamily="18" charset="0"/>
+              </a:rPr>
+              <a:t>thiết</a:t>
+            </a:r>
+            <a:r>
+              <a:rPr lang="en-US" b="1" dirty="0">
+                <a:latin typeface="Times New Roman" panose="02020603050405020304" pitchFamily="18" charset="0"/>
+                <a:cs typeface="Times New Roman" panose="02020603050405020304" pitchFamily="18" charset="0"/>
+              </a:rPr>
+              <a:t> </a:t>
+            </a:r>
+            <a:r>
+              <a:rPr lang="en-US" b="1" dirty="0" err="1">
+                <a:latin typeface="Times New Roman" panose="02020603050405020304" pitchFamily="18" charset="0"/>
+                <a:cs typeface="Times New Roman" panose="02020603050405020304" pitchFamily="18" charset="0"/>
+              </a:rPr>
+              <a:t>kế</a:t>
+            </a:r>
+            <a:r>
+              <a:rPr lang="en-US" b="1" dirty="0">
+                <a:latin typeface="Times New Roman" panose="02020603050405020304" pitchFamily="18" charset="0"/>
+                <a:cs typeface="Times New Roman" panose="02020603050405020304" pitchFamily="18" charset="0"/>
+              </a:rPr>
+              <a:t> </a:t>
+            </a:r>
+            <a:r>
+              <a:rPr lang="en-US" b="1" dirty="0" err="1">
+                <a:latin typeface="Times New Roman" panose="02020603050405020304" pitchFamily="18" charset="0"/>
+                <a:cs typeface="Times New Roman" panose="02020603050405020304" pitchFamily="18" charset="0"/>
+              </a:rPr>
+              <a:t>hệ</a:t>
+            </a:r>
+            <a:r>
+              <a:rPr lang="en-US" b="1" dirty="0">
+                <a:latin typeface="Times New Roman" panose="02020603050405020304" pitchFamily="18" charset="0"/>
+                <a:cs typeface="Times New Roman" panose="02020603050405020304" pitchFamily="18" charset="0"/>
+              </a:rPr>
+              <a:t> </a:t>
+            </a:r>
+            <a:r>
+              <a:rPr lang="en-US" b="1" dirty="0" err="1">
+                <a:latin typeface="Times New Roman" panose="02020603050405020304" pitchFamily="18" charset="0"/>
+                <a:cs typeface="Times New Roman" panose="02020603050405020304" pitchFamily="18" charset="0"/>
+              </a:rPr>
+              <a:t>thống</a:t>
+            </a:r>
+            <a:endParaRPr lang="en-US" b="1" dirty="0">
+              <a:latin typeface="Times New Roman" panose="02020603050405020304" pitchFamily="18" charset="0"/>
+              <a:cs typeface="Times New Roman" panose="02020603050405020304" pitchFamily="18" charset="0"/>
+            </a:endParaRPr>
+          </a:p>
+        </p:txBody>
+      </p:sp>
+      <p:grpSp>
+        <p:nvGrpSpPr>
+          <p:cNvPr id="38" name="Group 18">
+            <a:extLst>
+              <a:ext uri="{FF2B5EF4-FFF2-40B4-BE49-F238E27FC236}">
+                <a16:creationId xmlns:a16="http://schemas.microsoft.com/office/drawing/2014/main" id="{875D70B2-569F-7579-AA88-DA56953BFEA2}"/>
+              </a:ext>
+            </a:extLst>
+          </p:cNvPr>
+          <p:cNvGrpSpPr>
+            <a:grpSpLocks/>
+          </p:cNvGrpSpPr>
+          <p:nvPr/>
+        </p:nvGrpSpPr>
+        <p:grpSpPr bwMode="auto">
+          <a:xfrm>
+            <a:off x="2520424" y="3455456"/>
+            <a:ext cx="381000" cy="381000"/>
+            <a:chOff x="2078" y="1680"/>
+            <a:chExt cx="1615" cy="1615"/>
+          </a:xfrm>
+        </p:grpSpPr>
+        <p:sp>
+          <p:nvSpPr>
+            <p:cNvPr id="39" name="Oval 19">
+              <a:extLst>
+                <a:ext uri="{FF2B5EF4-FFF2-40B4-BE49-F238E27FC236}">
+                  <a16:creationId xmlns:a16="http://schemas.microsoft.com/office/drawing/2014/main" id="{7E20622D-BECD-9DDB-9C07-4DA6ED81C9DF}"/>
+                </a:ext>
+              </a:extLst>
+            </p:cNvPr>
+            <p:cNvSpPr>
+              <a:spLocks noChangeArrowheads="1"/>
+            </p:cNvSpPr>
+            <p:nvPr/>
+          </p:nvSpPr>
+          <p:spPr bwMode="gray">
+            <a:xfrm>
+              <a:off x="2078" y="1680"/>
+              <a:ext cx="1615" cy="1615"/>
+            </a:xfrm>
+            <a:prstGeom prst="ellipse">
+              <a:avLst/>
+            </a:prstGeom>
+            <a:gradFill rotWithShape="1">
+              <a:gsLst>
+                <a:gs pos="0">
+                  <a:srgbClr val="FFFFFF">
+                    <a:gamma/>
+                    <a:shade val="46275"/>
+                    <a:invGamma/>
+                  </a:srgbClr>
+                </a:gs>
+                <a:gs pos="50000">
+                  <a:srgbClr val="FFFFFF"/>
+                </a:gs>
+                <a:gs pos="100000">
+                  <a:srgbClr val="FFFFFF">
+                    <a:gamma/>
+                    <a:shade val="46275"/>
+                    <a:invGamma/>
+                  </a:srgbClr>
+                </a:gs>
+              </a:gsLst>
+              <a:lin ang="5400000" scaled="1"/>
+            </a:gradFill>
+            <a:ln>
+              <a:noFill/>
+            </a:ln>
+            <a:effectLst/>
+            <a:extLst>
+              <a:ext uri="{91240B29-F687-4F45-9708-019B960494DF}">
+                <a14:hiddenLine xmlns:a14="http://schemas.microsoft.com/office/drawing/2010/main" w="57150" algn="ctr">
+                  <a:solidFill>
+                    <a:schemeClr val="bg1"/>
+                  </a:solidFill>
+                  <a:round/>
+                  <a:headEnd/>
+                  <a:tailEnd/>
+                </a14:hiddenLine>
+              </a:ext>
+              <a:ext uri="{AF507438-7753-43E0-B8FC-AC1667EBCBE1}">
+                <a14:hiddenEffects xmlns:a14="http://schemas.microsoft.com/office/drawing/2010/main">
+                  <a:effectLst>
+                    <a:outerShdw dist="76200" dir="10800000" kx="-3284103" algn="br" rotWithShape="0">
+                      <a:schemeClr val="bg2">
+                        <a:alpha val="50000"/>
+                      </a:schemeClr>
+                    </a:outerShdw>
+                  </a:effectLst>
+                </a14:hiddenEffects>
+              </a:ext>
+            </a:extLst>
+          </p:spPr>
+          <p:txBody>
+            <a:bodyPr wrap="none" anchor="ctr"/>
+            <a:lstStyle/>
+            <a:p>
+              <a:endParaRPr lang="en-US"/>
+            </a:p>
+          </p:txBody>
+        </p:sp>
+        <p:sp>
+          <p:nvSpPr>
+            <p:cNvPr id="40" name="Oval 20">
+              <a:extLst>
+                <a:ext uri="{FF2B5EF4-FFF2-40B4-BE49-F238E27FC236}">
+                  <a16:creationId xmlns:a16="http://schemas.microsoft.com/office/drawing/2014/main" id="{0BFE8CE6-43CD-366E-3B11-FA58D5C4BE01}"/>
+                </a:ext>
+              </a:extLst>
+            </p:cNvPr>
+            <p:cNvSpPr>
+              <a:spLocks noChangeArrowheads="1"/>
+            </p:cNvSpPr>
+            <p:nvPr/>
+          </p:nvSpPr>
+          <p:spPr bwMode="gray">
+            <a:xfrm>
+              <a:off x="2170" y="1771"/>
+              <a:ext cx="1430" cy="1430"/>
+            </a:xfrm>
+            <a:prstGeom prst="ellipse">
+              <a:avLst/>
+            </a:prstGeom>
+            <a:gradFill rotWithShape="1">
+              <a:gsLst>
+                <a:gs pos="0">
+                  <a:srgbClr val="FFFFFF">
+                    <a:gamma/>
+                    <a:shade val="63529"/>
+                    <a:invGamma/>
+                  </a:srgbClr>
+                </a:gs>
+                <a:gs pos="50000">
+                  <a:srgbClr val="FFFFFF"/>
+                </a:gs>
+                <a:gs pos="100000">
+                  <a:srgbClr val="FFFFFF">
+                    <a:gamma/>
+                    <a:shade val="63529"/>
+                    <a:invGamma/>
+                  </a:srgbClr>
+                </a:gs>
+              </a:gsLst>
+              <a:lin ang="0" scaled="1"/>
+            </a:gradFill>
+            <a:ln>
+              <a:noFill/>
+            </a:ln>
+            <a:effectLst/>
+            <a:extLst>
+              <a:ext uri="{91240B29-F687-4F45-9708-019B960494DF}">
+                <a14:hiddenLine xmlns:a14="http://schemas.microsoft.com/office/drawing/2010/main" w="9525" algn="ctr">
+                  <a:solidFill>
+                    <a:schemeClr val="tx1"/>
+                  </a:solidFill>
+                  <a:round/>
+                  <a:headEnd/>
+                  <a:tailEnd/>
+                </a14:hiddenLine>
+              </a:ext>
+              <a:ext uri="{AF507438-7753-43E0-B8FC-AC1667EBCBE1}">
+                <a14:hiddenEffects xmlns:a14="http://schemas.microsoft.com/office/drawing/2010/main">
+                  <a:effectLst>
+                    <a:outerShdw dist="76200" dir="10800000" kx="-3284103" algn="br" rotWithShape="0">
+                      <a:schemeClr val="bg2">
+                        <a:alpha val="50000"/>
+                      </a:schemeClr>
+                    </a:outerShdw>
+                  </a:effectLst>
+                </a14:hiddenEffects>
+              </a:ext>
+            </a:extLst>
+          </p:spPr>
+          <p:txBody>
+            <a:bodyPr wrap="none" anchor="ctr"/>
+            <a:lstStyle/>
+            <a:p>
+              <a:endParaRPr lang="en-US"/>
+            </a:p>
+          </p:txBody>
+        </p:sp>
+        <p:sp>
+          <p:nvSpPr>
+            <p:cNvPr id="41" name="Oval 21">
+              <a:extLst>
+                <a:ext uri="{FF2B5EF4-FFF2-40B4-BE49-F238E27FC236}">
+                  <a16:creationId xmlns:a16="http://schemas.microsoft.com/office/drawing/2014/main" id="{B7AD3CBA-3FE9-5EBD-5B85-5952AC33EF0D}"/>
+                </a:ext>
+              </a:extLst>
+            </p:cNvPr>
+            <p:cNvSpPr>
+              <a:spLocks noChangeArrowheads="1"/>
+            </p:cNvSpPr>
+            <p:nvPr/>
+          </p:nvSpPr>
+          <p:spPr bwMode="gray">
+            <a:xfrm>
+              <a:off x="2254" y="1856"/>
+              <a:ext cx="1262" cy="1264"/>
+            </a:xfrm>
+            <a:prstGeom prst="ellipse">
+              <a:avLst/>
+            </a:prstGeom>
+            <a:gradFill rotWithShape="1">
+              <a:gsLst>
+                <a:gs pos="0">
+                  <a:schemeClr val="hlink">
+                    <a:gamma/>
+                    <a:tint val="0"/>
+                    <a:invGamma/>
+                  </a:schemeClr>
+                </a:gs>
+                <a:gs pos="50000">
+                  <a:schemeClr val="hlink"/>
+                </a:gs>
+                <a:gs pos="100000">
+                  <a:schemeClr val="hlink">
+                    <a:gamma/>
+                    <a:tint val="0"/>
+                    <a:invGamma/>
+                  </a:schemeClr>
+                </a:gs>
+              </a:gsLst>
+              <a:lin ang="2700000" scaled="1"/>
+            </a:gradFill>
+            <a:ln>
+              <a:noFill/>
+            </a:ln>
+            <a:effectLst/>
+            <a:extLst>
+              <a:ext uri="{91240B29-F687-4F45-9708-019B960494DF}">
+                <a14:hiddenLine xmlns:a14="http://schemas.microsoft.com/office/drawing/2010/main" w="38100" algn="ctr">
+                  <a:solidFill>
+                    <a:schemeClr val="bg1"/>
+                  </a:solidFill>
+                  <a:round/>
+                  <a:headEnd/>
+                  <a:tailEnd/>
+                </a14:hiddenLine>
+              </a:ext>
+              <a:ext uri="{AF507438-7753-43E0-B8FC-AC1667EBCBE1}">
+                <a14:hiddenEffects xmlns:a14="http://schemas.microsoft.com/office/drawing/2010/main">
+                  <a:effectLst>
+                    <a:outerShdw dist="109250" dir="3267739" algn="ctr" rotWithShape="0">
+                      <a:srgbClr val="808080">
+                        <a:alpha val="50000"/>
+                      </a:srgbClr>
+                    </a:outerShdw>
+                  </a:effectLst>
+                </a14:hiddenEffects>
+              </a:ext>
+            </a:extLst>
+          </p:spPr>
+          <p:txBody>
+            <a:bodyPr wrap="none" anchor="ctr">
+              <a:spAutoFit/>
+            </a:bodyPr>
+            <a:lstStyle/>
+            <a:p>
+              <a:endParaRPr lang="en-US"/>
+            </a:p>
+          </p:txBody>
+        </p:sp>
+        <p:sp>
+          <p:nvSpPr>
+            <p:cNvPr id="42" name="Oval 22">
+              <a:extLst>
+                <a:ext uri="{FF2B5EF4-FFF2-40B4-BE49-F238E27FC236}">
+                  <a16:creationId xmlns:a16="http://schemas.microsoft.com/office/drawing/2014/main" id="{0C98E11F-3309-30F6-0A28-273883D5CC52}"/>
+                </a:ext>
+              </a:extLst>
+            </p:cNvPr>
+            <p:cNvSpPr>
+              <a:spLocks noChangeArrowheads="1"/>
+            </p:cNvSpPr>
+            <p:nvPr/>
+          </p:nvSpPr>
+          <p:spPr bwMode="gray">
+            <a:xfrm>
+              <a:off x="2254" y="1856"/>
+              <a:ext cx="1262" cy="1264"/>
+            </a:xfrm>
+            <a:prstGeom prst="ellipse">
+              <a:avLst/>
+            </a:prstGeom>
+            <a:gradFill rotWithShape="1">
+              <a:gsLst>
+                <a:gs pos="0">
+                  <a:srgbClr val="48BE67">
+                    <a:gamma/>
+                    <a:shade val="0"/>
+                    <a:invGamma/>
+                  </a:srgbClr>
+                </a:gs>
+                <a:gs pos="100000">
+                  <a:srgbClr val="48BE67"/>
+                </a:gs>
+              </a:gsLst>
+              <a:lin ang="2700000" scaled="1"/>
+            </a:gradFill>
+            <a:ln>
+              <a:noFill/>
+            </a:ln>
+            <a:effectLst/>
+            <a:extLst>
+              <a:ext uri="{91240B29-F687-4F45-9708-019B960494DF}">
+                <a14:hiddenLine xmlns:a14="http://schemas.microsoft.com/office/drawing/2010/main" w="38100" algn="ctr">
+                  <a:solidFill>
+                    <a:schemeClr val="bg1"/>
+                  </a:solidFill>
+                  <a:round/>
+                  <a:headEnd/>
+                  <a:tailEnd/>
+                </a14:hiddenLine>
+              </a:ext>
+              <a:ext uri="{AF507438-7753-43E0-B8FC-AC1667EBCBE1}">
+                <a14:hiddenEffects xmlns:a14="http://schemas.microsoft.com/office/drawing/2010/main">
+                  <a:effectLst>
+                    <a:outerShdw dist="109250" dir="3267739" algn="ctr" rotWithShape="0">
+                      <a:srgbClr val="808080">
+                        <a:alpha val="50000"/>
+                      </a:srgbClr>
+                    </a:outerShdw>
+                  </a:effectLst>
+                </a14:hiddenEffects>
+              </a:ext>
+            </a:extLst>
+          </p:spPr>
+          <p:txBody>
+            <a:bodyPr wrap="none" anchor="ctr">
+              <a:spAutoFit/>
+            </a:bodyPr>
+            <a:lstStyle/>
+            <a:p>
+              <a:endParaRPr lang="en-US"/>
+            </a:p>
+          </p:txBody>
+        </p:sp>
+        <p:sp>
+          <p:nvSpPr>
+            <p:cNvPr id="43" name="Oval 23">
+              <a:extLst>
+                <a:ext uri="{FF2B5EF4-FFF2-40B4-BE49-F238E27FC236}">
+                  <a16:creationId xmlns:a16="http://schemas.microsoft.com/office/drawing/2014/main" id="{1602E155-4F74-F4C6-DAFF-E34079C16967}"/>
+                </a:ext>
+              </a:extLst>
+            </p:cNvPr>
+            <p:cNvSpPr>
+              <a:spLocks noChangeArrowheads="1"/>
+            </p:cNvSpPr>
+            <p:nvPr/>
+          </p:nvSpPr>
+          <p:spPr bwMode="gray">
+            <a:xfrm>
+              <a:off x="2337" y="1939"/>
+              <a:ext cx="1096" cy="1098"/>
+            </a:xfrm>
+            <a:prstGeom prst="ellipse">
+              <a:avLst/>
+            </a:prstGeom>
+            <a:gradFill rotWithShape="1">
+              <a:gsLst>
+                <a:gs pos="0">
+                  <a:schemeClr val="hlink">
+                    <a:gamma/>
+                    <a:shade val="54118"/>
+                    <a:invGamma/>
+                  </a:schemeClr>
+                </a:gs>
+                <a:gs pos="50000">
+                  <a:schemeClr val="hlink"/>
+                </a:gs>
+                <a:gs pos="100000">
+                  <a:schemeClr val="hlink">
+                    <a:gamma/>
+                    <a:shade val="54118"/>
+                    <a:invGamma/>
+                  </a:schemeClr>
+                </a:gs>
+              </a:gsLst>
+              <a:lin ang="18900000" scaled="1"/>
+            </a:gradFill>
+            <a:ln>
+              <a:noFill/>
+            </a:ln>
+            <a:effectLst/>
+            <a:extLst>
+              <a:ext uri="{91240B29-F687-4F45-9708-019B960494DF}">
+                <a14:hiddenLine xmlns:a14="http://schemas.microsoft.com/office/drawing/2010/main" w="38100" algn="ctr">
+                  <a:solidFill>
+                    <a:schemeClr val="bg1"/>
+                  </a:solidFill>
+                  <a:round/>
+                  <a:headEnd/>
+                  <a:tailEnd/>
+                </a14:hiddenLine>
+              </a:ext>
+              <a:ext uri="{AF507438-7753-43E0-B8FC-AC1667EBCBE1}">
+                <a14:hiddenEffects xmlns:a14="http://schemas.microsoft.com/office/drawing/2010/main">
+                  <a:effectLst>
+                    <a:outerShdw dist="109250" dir="3267739" algn="ctr" rotWithShape="0">
+                      <a:srgbClr val="808080">
+                        <a:alpha val="50000"/>
+                      </a:srgbClr>
+                    </a:outerShdw>
+                  </a:effectLst>
+                </a14:hiddenEffects>
+              </a:ext>
+            </a:extLst>
+          </p:spPr>
+          <p:txBody>
+            <a:bodyPr anchor="ctr">
+              <a:spAutoFit/>
+            </a:bodyPr>
+            <a:lstStyle/>
+            <a:p>
+              <a:endParaRPr lang="en-US"/>
+            </a:p>
+          </p:txBody>
+        </p:sp>
+        <p:sp>
+          <p:nvSpPr>
+            <p:cNvPr id="46" name="Oval 24">
+              <a:extLst>
+                <a:ext uri="{FF2B5EF4-FFF2-40B4-BE49-F238E27FC236}">
+                  <a16:creationId xmlns:a16="http://schemas.microsoft.com/office/drawing/2014/main" id="{DA5264B5-7E59-6576-674D-25B5FD7F2DB3}"/>
+                </a:ext>
+              </a:extLst>
+            </p:cNvPr>
+            <p:cNvSpPr>
+              <a:spLocks noChangeArrowheads="1"/>
+            </p:cNvSpPr>
+            <p:nvPr/>
+          </p:nvSpPr>
+          <p:spPr bwMode="gray">
+            <a:xfrm>
+              <a:off x="2337" y="1939"/>
+              <a:ext cx="1096" cy="1098"/>
+            </a:xfrm>
+            <a:prstGeom prst="ellipse">
+              <a:avLst/>
+            </a:prstGeom>
+            <a:gradFill rotWithShape="1">
+              <a:gsLst>
+                <a:gs pos="0">
+                  <a:srgbClr val="48BE67"/>
+                </a:gs>
+                <a:gs pos="100000">
+                  <a:srgbClr val="48BE67">
+                    <a:gamma/>
+                    <a:shade val="48627"/>
+                    <a:invGamma/>
+                  </a:srgbClr>
+                </a:gs>
+              </a:gsLst>
+              <a:lin ang="2700000" scaled="1"/>
+            </a:gradFill>
+            <a:ln>
+              <a:noFill/>
+            </a:ln>
+            <a:effectLst/>
+            <a:extLst>
+              <a:ext uri="{91240B29-F687-4F45-9708-019B960494DF}">
+                <a14:hiddenLine xmlns:a14="http://schemas.microsoft.com/office/drawing/2010/main" w="38100" algn="ctr">
+                  <a:solidFill>
+                    <a:schemeClr val="bg1"/>
+                  </a:solidFill>
+                  <a:round/>
+                  <a:headEnd/>
+                  <a:tailEnd/>
+                </a14:hiddenLine>
+              </a:ext>
+              <a:ext uri="{AF507438-7753-43E0-B8FC-AC1667EBCBE1}">
+                <a14:hiddenEffects xmlns:a14="http://schemas.microsoft.com/office/drawing/2010/main">
+                  <a:effectLst>
+                    <a:outerShdw dist="109250" dir="3267739" algn="ctr" rotWithShape="0">
+                      <a:srgbClr val="808080">
+                        <a:alpha val="50000"/>
+                      </a:srgbClr>
+                    </a:outerShdw>
+                  </a:effectLst>
+                </a14:hiddenEffects>
+              </a:ext>
+            </a:extLst>
+          </p:spPr>
+          <p:txBody>
+            <a:bodyPr anchor="ctr">
+              <a:spAutoFit/>
+            </a:bodyPr>
+            <a:lstStyle/>
+            <a:p>
+              <a:endParaRPr lang="en-US"/>
+            </a:p>
+          </p:txBody>
+        </p:sp>
+      </p:grpSp>
+      <p:sp>
+        <p:nvSpPr>
+          <p:cNvPr id="3" name="Date Placeholder 2">
+            <a:extLst>
+              <a:ext uri="{FF2B5EF4-FFF2-40B4-BE49-F238E27FC236}">
+                <a16:creationId xmlns:a16="http://schemas.microsoft.com/office/drawing/2014/main" id="{79D0C245-7D32-7E12-DE97-EB4050CE57D1}"/>
+              </a:ext>
+            </a:extLst>
+          </p:cNvPr>
+          <p:cNvSpPr>
+            <a:spLocks noGrp="1"/>
+          </p:cNvSpPr>
+          <p:nvPr>
+            <p:ph type="dt" sz="half" idx="10"/>
+          </p:nvPr>
+        </p:nvSpPr>
+        <p:spPr/>
+        <p:txBody>
+          <a:bodyPr/>
+          <a:lstStyle/>
+          <a:p>
+            <a:fld id="{AF6C2636-E26D-44C5-9C1E-773F6024883D}" type="datetime1">
+              <a:rPr lang="en-US" smtClean="0"/>
+              <a:t>21/06/2022</a:t>
+            </a:fld>
+            <a:endParaRPr lang="en-US"/>
+          </a:p>
+        </p:txBody>
+      </p:sp>
+      <p:sp>
+        <p:nvSpPr>
+          <p:cNvPr id="4" name="Slide Number Placeholder 3">
+            <a:extLst>
+              <a:ext uri="{FF2B5EF4-FFF2-40B4-BE49-F238E27FC236}">
+                <a16:creationId xmlns:a16="http://schemas.microsoft.com/office/drawing/2014/main" id="{B9BA8BD7-6017-408D-4730-1B85903DD1A9}"/>
+              </a:ext>
+            </a:extLst>
+          </p:cNvPr>
+          <p:cNvSpPr>
+            <a:spLocks noGrp="1"/>
+          </p:cNvSpPr>
+          <p:nvPr>
+            <p:ph type="sldNum" sz="quarter" idx="12"/>
+          </p:nvPr>
+        </p:nvSpPr>
+        <p:spPr/>
+        <p:txBody>
+          <a:bodyPr/>
+          <a:lstStyle/>
+          <a:p>
+            <a:fld id="{834A3715-FC91-284B-8702-1BAEDE956EBF}" type="slidenum">
+              <a:rPr lang="en-US" smtClean="0"/>
+              <a:pPr/>
+              <a:t>2</a:t>
+            </a:fld>
+            <a:endParaRPr lang="en-US"/>
+          </a:p>
+        </p:txBody>
+      </p:sp>
     </p:spTree>
     <p:extLst>
       <p:ext uri="{BB962C8B-B14F-4D97-AF65-F5344CB8AC3E}">
@@ -6603,169 +7650,130 @@
           <a:lstStyle/>
           <a:p>
             <a:r>
+              <a:rPr lang="en-US" dirty="0">
+                <a:cs typeface="Times New Roman" panose="02020603050405020304" pitchFamily="18" charset="0"/>
+              </a:rPr>
+              <a:t>1. </a:t>
+            </a:r>
+            <a:r>
               <a:rPr lang="en-US" dirty="0" err="1">
-                <a:latin typeface="Times New Roman" panose="02020603050405020304" pitchFamily="18" charset="0"/>
-                <a:cs typeface="Times New Roman" panose="02020603050405020304" pitchFamily="18" charset="0"/>
-              </a:rPr>
-              <a:t>Yêu</a:t>
+                <a:cs typeface="Times New Roman" panose="02020603050405020304" pitchFamily="18" charset="0"/>
+              </a:rPr>
+              <a:t>Tổng</a:t>
             </a:r>
             <a:r>
               <a:rPr lang="en-US" dirty="0">
-                <a:latin typeface="Times New Roman" panose="02020603050405020304" pitchFamily="18" charset="0"/>
                 <a:cs typeface="Times New Roman" panose="02020603050405020304" pitchFamily="18" charset="0"/>
               </a:rPr>
               <a:t> </a:t>
             </a:r>
             <a:r>
               <a:rPr lang="en-US" dirty="0" err="1">
-                <a:latin typeface="Times New Roman" panose="02020603050405020304" pitchFamily="18" charset="0"/>
-                <a:cs typeface="Times New Roman" panose="02020603050405020304" pitchFamily="18" charset="0"/>
-              </a:rPr>
-              <a:t>cầu</a:t>
+                <a:cs typeface="Times New Roman" panose="02020603050405020304" pitchFamily="18" charset="0"/>
+              </a:rPr>
+              <a:t>quan</a:t>
             </a:r>
             <a:r>
               <a:rPr lang="en-US" dirty="0">
-                <a:latin typeface="Times New Roman" panose="02020603050405020304" pitchFamily="18" charset="0"/>
                 <a:cs typeface="Times New Roman" panose="02020603050405020304" pitchFamily="18" charset="0"/>
               </a:rPr>
               <a:t> </a:t>
             </a:r>
             <a:r>
               <a:rPr lang="en-US" dirty="0" err="1">
-                <a:latin typeface="Times New Roman" panose="02020603050405020304" pitchFamily="18" charset="0"/>
-                <a:cs typeface="Times New Roman" panose="02020603050405020304" pitchFamily="18" charset="0"/>
-              </a:rPr>
-              <a:t>của</a:t>
+                <a:cs typeface="Times New Roman" panose="02020603050405020304" pitchFamily="18" charset="0"/>
+              </a:rPr>
+              <a:t>về</a:t>
             </a:r>
             <a:r>
               <a:rPr lang="en-US" dirty="0">
-                <a:latin typeface="Times New Roman" panose="02020603050405020304" pitchFamily="18" charset="0"/>
                 <a:cs typeface="Times New Roman" panose="02020603050405020304" pitchFamily="18" charset="0"/>
               </a:rPr>
               <a:t> </a:t>
             </a:r>
             <a:r>
               <a:rPr lang="en-US" dirty="0" err="1">
-                <a:latin typeface="Times New Roman" panose="02020603050405020304" pitchFamily="18" charset="0"/>
                 <a:cs typeface="Times New Roman" panose="02020603050405020304" pitchFamily="18" charset="0"/>
               </a:rPr>
               <a:t>đề</a:t>
             </a:r>
             <a:r>
               <a:rPr lang="en-US" dirty="0">
-                <a:latin typeface="Times New Roman" panose="02020603050405020304" pitchFamily="18" charset="0"/>
                 <a:cs typeface="Times New Roman" panose="02020603050405020304" pitchFamily="18" charset="0"/>
               </a:rPr>
               <a:t> </a:t>
             </a:r>
             <a:r>
               <a:rPr lang="en-US" dirty="0" err="1">
-                <a:latin typeface="Times New Roman" panose="02020603050405020304" pitchFamily="18" charset="0"/>
                 <a:cs typeface="Times New Roman" panose="02020603050405020304" pitchFamily="18" charset="0"/>
               </a:rPr>
               <a:t>tài</a:t>
             </a:r>
             <a:endParaRPr lang="en-US" dirty="0">
-              <a:latin typeface="Times New Roman" panose="02020603050405020304" pitchFamily="18" charset="0"/>
               <a:cs typeface="Times New Roman" panose="02020603050405020304" pitchFamily="18" charset="0"/>
             </a:endParaRPr>
           </a:p>
         </p:txBody>
       </p:sp>
-      <p:pic>
-        <p:nvPicPr>
-          <p:cNvPr id="1028" name="Picture 4" descr="Image result for tưới cây">
+      <p:sp>
+        <p:nvSpPr>
+          <p:cNvPr id="3" name="Date Placeholder 2">
             <a:extLst>
               <a:ext uri="{FF2B5EF4-FFF2-40B4-BE49-F238E27FC236}">
-                <a16:creationId xmlns:a16="http://schemas.microsoft.com/office/drawing/2014/main" id="{BB4D220C-4767-42AC-8400-E89FA84557FB}"/>
+                <a16:creationId xmlns:a16="http://schemas.microsoft.com/office/drawing/2014/main" id="{51E55139-3D19-9D19-CE5F-DEBAAB5F9BA1}"/>
               </a:ext>
             </a:extLst>
           </p:cNvPr>
-          <p:cNvPicPr>
-            <a:picLocks noChangeAspect="1" noChangeArrowheads="1"/>
-          </p:cNvPicPr>
-          <p:nvPr/>
-        </p:nvPicPr>
-        <p:blipFill>
-          <a:blip r:embed="rId2">
-            <a:extLst>
-              <a:ext uri="{28A0092B-C50C-407E-A947-70E740481C1C}">
-                <a14:useLocalDpi xmlns:a14="http://schemas.microsoft.com/office/drawing/2010/main" val="0"/>
-              </a:ext>
-            </a:extLst>
-          </a:blip>
-          <a:srcRect/>
-          <a:stretch>
-            <a:fillRect/>
-          </a:stretch>
-        </p:blipFill>
-        <p:spPr bwMode="auto">
-          <a:xfrm>
-            <a:off x="4343142" y="2734811"/>
-            <a:ext cx="4599941" cy="3095537"/>
-          </a:xfrm>
-          <a:prstGeom prst="rect">
-            <a:avLst/>
-          </a:prstGeom>
-          <a:noFill/>
-          <a:extLst>
-            <a:ext uri="{909E8E84-426E-40DD-AFC4-6F175D3DCCD1}">
-              <a14:hiddenFill xmlns:a14="http://schemas.microsoft.com/office/drawing/2010/main">
-                <a:solidFill>
-                  <a:srgbClr val="FFFFFF"/>
-                </a:solidFill>
-              </a14:hiddenFill>
-            </a:ext>
-          </a:extLst>
-        </p:spPr>
-      </p:pic>
-      <p:pic>
-        <p:nvPicPr>
-          <p:cNvPr id="1030" name="Picture 6" descr="Image result for tưới cây">
+          <p:cNvSpPr>
+            <a:spLocks noGrp="1"/>
+          </p:cNvSpPr>
+          <p:nvPr>
+            <p:ph type="dt" sz="half" idx="10"/>
+          </p:nvPr>
+        </p:nvSpPr>
+        <p:spPr/>
+        <p:txBody>
+          <a:bodyPr/>
+          <a:lstStyle/>
+          <a:p>
+            <a:fld id="{A7F2F48B-2CE3-40F6-A91B-DDAEC0F07C12}" type="datetime1">
+              <a:rPr lang="en-US" smtClean="0"/>
+              <a:t>21/06/2022</a:t>
+            </a:fld>
+            <a:endParaRPr lang="en-US"/>
+          </a:p>
+        </p:txBody>
+      </p:sp>
+      <p:sp>
+        <p:nvSpPr>
+          <p:cNvPr id="4" name="Slide Number Placeholder 3">
             <a:extLst>
               <a:ext uri="{FF2B5EF4-FFF2-40B4-BE49-F238E27FC236}">
-                <a16:creationId xmlns:a16="http://schemas.microsoft.com/office/drawing/2014/main" id="{56F5A322-7A66-40C6-903C-6A2F56C1B639}"/>
+                <a16:creationId xmlns:a16="http://schemas.microsoft.com/office/drawing/2014/main" id="{BC4F29C6-572C-9704-C57E-DF539C8264EC}"/>
               </a:ext>
             </a:extLst>
           </p:cNvPr>
-          <p:cNvPicPr>
-            <a:picLocks noChangeAspect="1" noChangeArrowheads="1"/>
-          </p:cNvPicPr>
-          <p:nvPr/>
-        </p:nvPicPr>
-        <p:blipFill>
-          <a:blip r:embed="rId3">
-            <a:extLst>
-              <a:ext uri="{28A0092B-C50C-407E-A947-70E740481C1C}">
-                <a14:useLocalDpi xmlns:a14="http://schemas.microsoft.com/office/drawing/2010/main" val="0"/>
-              </a:ext>
-            </a:extLst>
-          </a:blip>
-          <a:srcRect/>
-          <a:stretch>
-            <a:fillRect/>
-          </a:stretch>
-        </p:blipFill>
-        <p:spPr bwMode="auto">
-          <a:xfrm>
-            <a:off x="290145" y="1087078"/>
-            <a:ext cx="4052997" cy="2721524"/>
-          </a:xfrm>
-          <a:prstGeom prst="rect">
-            <a:avLst/>
-          </a:prstGeom>
-          <a:noFill/>
-          <a:extLst>
-            <a:ext uri="{909E8E84-426E-40DD-AFC4-6F175D3DCCD1}">
-              <a14:hiddenFill xmlns:a14="http://schemas.microsoft.com/office/drawing/2010/main">
-                <a:solidFill>
-                  <a:srgbClr val="FFFFFF"/>
-                </a:solidFill>
-              </a14:hiddenFill>
-            </a:ext>
-          </a:extLst>
-        </p:spPr>
-      </p:pic>
+          <p:cNvSpPr>
+            <a:spLocks noGrp="1"/>
+          </p:cNvSpPr>
+          <p:nvPr>
+            <p:ph type="sldNum" sz="quarter" idx="12"/>
+          </p:nvPr>
+        </p:nvSpPr>
+        <p:spPr/>
+        <p:txBody>
+          <a:bodyPr/>
+          <a:lstStyle/>
+          <a:p>
+            <a:fld id="{834A3715-FC91-284B-8702-1BAEDE956EBF}" type="slidenum">
+              <a:rPr lang="en-US" smtClean="0"/>
+              <a:pPr/>
+              <a:t>3</a:t>
+            </a:fld>
+            <a:endParaRPr lang="en-US"/>
+          </a:p>
+        </p:txBody>
+      </p:sp>
     </p:spTree>
     <p:extLst>
       <p:ext uri="{BB962C8B-B14F-4D97-AF65-F5344CB8AC3E}">
@@ -6826,21 +7834,78 @@
           <a:lstStyle/>
           <a:p>
             <a:r>
-              <a:rPr lang="en-US" err="1">
-                <a:latin typeface="Times New Roman" panose="02020603050405020304" pitchFamily="18" charset="0"/>
-                <a:cs typeface="Times New Roman" panose="02020603050405020304" pitchFamily="18" charset="0"/>
-              </a:rPr>
-              <a:t>Phân</a:t>
-            </a:r>
-            <a:r>
-              <a:rPr lang="en-US">
-                <a:latin typeface="Times New Roman" panose="02020603050405020304" pitchFamily="18" charset="0"/>
-                <a:cs typeface="Times New Roman" panose="02020603050405020304" pitchFamily="18" charset="0"/>
-              </a:rPr>
-              <a:t> tích</a:t>
+              <a:rPr lang="en-US" dirty="0">
+                <a:cs typeface="Times New Roman" panose="02020603050405020304" pitchFamily="18" charset="0"/>
+              </a:rPr>
+              <a:t>2. </a:t>
+            </a:r>
+            <a:r>
+              <a:rPr lang="en-US" dirty="0" err="1">
+                <a:cs typeface="Times New Roman" panose="02020603050405020304" pitchFamily="18" charset="0"/>
+              </a:rPr>
+              <a:t>Tổng</a:t>
+            </a:r>
+            <a:r>
+              <a:rPr lang="en-US" dirty="0">
+                <a:cs typeface="Times New Roman" panose="02020603050405020304" pitchFamily="18" charset="0"/>
+              </a:rPr>
+              <a:t> </a:t>
+            </a:r>
+            <a:r>
+              <a:rPr lang="en-US" dirty="0" err="1">
+                <a:cs typeface="Times New Roman" panose="02020603050405020304" pitchFamily="18" charset="0"/>
+              </a:rPr>
+              <a:t>quan</a:t>
+            </a:r>
+            <a:r>
+              <a:rPr lang="en-US" dirty="0">
+                <a:cs typeface="Times New Roman" panose="02020603050405020304" pitchFamily="18" charset="0"/>
+              </a:rPr>
+              <a:t> </a:t>
+            </a:r>
+            <a:r>
+              <a:rPr lang="en-US" dirty="0" err="1">
+                <a:cs typeface="Times New Roman" panose="02020603050405020304" pitchFamily="18" charset="0"/>
+              </a:rPr>
+              <a:t>về</a:t>
+            </a:r>
+            <a:r>
+              <a:rPr lang="en-US" dirty="0">
+                <a:cs typeface="Times New Roman" panose="02020603050405020304" pitchFamily="18" charset="0"/>
+              </a:rPr>
+              <a:t> </a:t>
+            </a:r>
+            <a:r>
+              <a:rPr lang="en-US" dirty="0" err="1">
+                <a:cs typeface="Times New Roman" panose="02020603050405020304" pitchFamily="18" charset="0"/>
+              </a:rPr>
+              <a:t>hệ</a:t>
+            </a:r>
+            <a:r>
+              <a:rPr lang="en-US" dirty="0">
+                <a:cs typeface="Times New Roman" panose="02020603050405020304" pitchFamily="18" charset="0"/>
+              </a:rPr>
+              <a:t> </a:t>
+            </a:r>
+            <a:r>
+              <a:rPr lang="en-US" dirty="0" err="1">
+                <a:cs typeface="Times New Roman" panose="02020603050405020304" pitchFamily="18" charset="0"/>
+              </a:rPr>
+              <a:t>thống</a:t>
+            </a:r>
+            <a:r>
+              <a:rPr lang="en-US" dirty="0">
+                <a:cs typeface="Times New Roman" panose="02020603050405020304" pitchFamily="18" charset="0"/>
+              </a:rPr>
+              <a:t> </a:t>
+            </a:r>
+            <a:r>
+              <a:rPr lang="en-US" dirty="0" err="1">
+                <a:cs typeface="Times New Roman" panose="02020603050405020304" pitchFamily="18" charset="0"/>
+              </a:rPr>
+              <a:t>nhúng</a:t>
             </a:r>
             <a:endParaRPr lang="en-US" dirty="0">
-              <a:latin typeface="Times New Roman" panose="02020603050405020304" pitchFamily="18" charset="0"/>
               <a:cs typeface="Times New Roman" panose="02020603050405020304" pitchFamily="18" charset="0"/>
             </a:endParaRPr>
           </a:p>
@@ -6848,7 +7913,13 @@
       </p:sp>
       <p:sp>
         <p:nvSpPr>
-          <p:cNvPr id="3" name="Content Placeholder 2"/>
+          <p:cNvPr id="5" name="Content Placeholder 4">
+            <a:extLst>
+              <a:ext uri="{FF2B5EF4-FFF2-40B4-BE49-F238E27FC236}">
+                <a16:creationId xmlns:a16="http://schemas.microsoft.com/office/drawing/2014/main" id="{5A9D0748-FD10-80A4-97FD-2FE26B28ACDD}"/>
+              </a:ext>
+            </a:extLst>
+          </p:cNvPr>
           <p:cNvSpPr>
             <a:spLocks noGrp="1"/>
           </p:cNvSpPr>
@@ -6856,279 +7927,70 @@
             <p:ph sz="half" idx="1"/>
           </p:nvPr>
         </p:nvSpPr>
-        <p:spPr>
-          <a:xfrm>
-            <a:off x="307732" y="1046285"/>
-            <a:ext cx="8519276" cy="5130678"/>
-          </a:xfrm>
-        </p:spPr>
-        <p:txBody>
-          <a:bodyPr>
-            <a:normAutofit/>
-          </a:bodyPr>
+        <p:spPr/>
+        <p:txBody>
+          <a:bodyPr/>
           <a:lstStyle/>
           <a:p>
-            <a:pPr indent="0" algn="just" rtl="0" fontAlgn="base">
-              <a:spcBef>
-                <a:spcPts val="0"/>
-              </a:spcBef>
-              <a:spcAft>
-                <a:spcPts val="0"/>
-              </a:spcAft>
-              <a:buNone/>
-            </a:pPr>
-            <a:r>
-              <a:rPr lang="en-US" b="0" i="0" u="none" strike="noStrike">
-                <a:solidFill>
-                  <a:srgbClr val="000000"/>
-                </a:solidFill>
-                <a:effectLst/>
-                <a:latin typeface="Times New Roman" panose="02020603050405020304" pitchFamily="18" charset="0"/>
-              </a:rPr>
-              <a:t>- Mô phỏng hoạt </a:t>
-            </a:r>
-            <a:r>
-              <a:rPr lang="en-US" b="0" i="0" u="none" strike="noStrike" err="1">
-                <a:solidFill>
-                  <a:srgbClr val="000000"/>
-                </a:solidFill>
-                <a:effectLst/>
-                <a:latin typeface="Times New Roman" panose="02020603050405020304" pitchFamily="18" charset="0"/>
-              </a:rPr>
-              <a:t>động</a:t>
-            </a:r>
-            <a:r>
-              <a:rPr lang="en-US" b="0" i="0" u="none" strike="noStrike">
-                <a:solidFill>
-                  <a:srgbClr val="000000"/>
-                </a:solidFill>
-                <a:effectLst/>
-                <a:latin typeface="Times New Roman" panose="02020603050405020304" pitchFamily="18" charset="0"/>
-              </a:rPr>
-              <a:t> hệ thống:</a:t>
-            </a:r>
-            <a:endParaRPr lang="en-US" b="0" i="0" u="none" strike="noStrike" dirty="0">
-              <a:solidFill>
-                <a:srgbClr val="000000"/>
-              </a:solidFill>
-              <a:effectLst/>
-              <a:latin typeface="Times New Roman" panose="02020603050405020304" pitchFamily="18" charset="0"/>
-            </a:endParaRPr>
-          </a:p>
-          <a:p>
-            <a:pPr marL="685800" algn="just" rtl="0" fontAlgn="base">
-              <a:spcBef>
-                <a:spcPts val="0"/>
-              </a:spcBef>
-              <a:spcAft>
-                <a:spcPts val="0"/>
-              </a:spcAft>
-              <a:buFont typeface="Arial" panose="020B0604020202020204" pitchFamily="34" charset="0"/>
-              <a:buChar char="•"/>
-            </a:pPr>
-            <a:r>
-              <a:rPr lang="en-US">
-                <a:solidFill>
-                  <a:srgbClr val="000000"/>
-                </a:solidFill>
-                <a:latin typeface="Times New Roman" panose="02020603050405020304" pitchFamily="18" charset="0"/>
-              </a:rPr>
-              <a:t>Điều khiển hoạt động của máy bơm nước trong các chế độ(Tự động/ Thủ công)</a:t>
-            </a:r>
-            <a:r>
-              <a:rPr lang="en-US" b="0" i="0" u="none" strike="noStrike">
-                <a:solidFill>
-                  <a:srgbClr val="000000"/>
-                </a:solidFill>
-                <a:effectLst/>
-                <a:latin typeface="Times New Roman" panose="02020603050405020304" pitchFamily="18" charset="0"/>
-              </a:rPr>
-              <a:t>.</a:t>
-            </a:r>
-          </a:p>
-          <a:p>
-            <a:pPr marL="685800" algn="just" rtl="0" fontAlgn="base">
-              <a:spcBef>
-                <a:spcPts val="0"/>
-              </a:spcBef>
-              <a:spcAft>
-                <a:spcPts val="0"/>
-              </a:spcAft>
-              <a:buFont typeface="Arial" panose="020B0604020202020204" pitchFamily="34" charset="0"/>
-              <a:buChar char="•"/>
-            </a:pPr>
-            <a:r>
-              <a:rPr lang="en-US" b="0" i="0" u="none" strike="noStrike">
-                <a:solidFill>
-                  <a:srgbClr val="000000"/>
-                </a:solidFill>
-                <a:effectLst/>
-                <a:latin typeface="Times New Roman" panose="02020603050405020304" pitchFamily="18" charset="0"/>
-              </a:rPr>
-              <a:t>Chế độ cài đặt các thông số ngưỡng: nhiệt độ, độ ẩm.</a:t>
-            </a:r>
-            <a:endParaRPr lang="en-US" b="0" i="0" u="none" strike="noStrike" dirty="0">
-              <a:solidFill>
-                <a:srgbClr val="000000"/>
-              </a:solidFill>
-              <a:effectLst/>
-              <a:latin typeface="Times New Roman" panose="02020603050405020304" pitchFamily="18" charset="0"/>
-            </a:endParaRPr>
-          </a:p>
-          <a:p>
-            <a:pPr marL="685800" algn="just" rtl="0" fontAlgn="base">
-              <a:spcBef>
-                <a:spcPts val="0"/>
-              </a:spcBef>
-              <a:spcAft>
-                <a:spcPts val="0"/>
-              </a:spcAft>
-              <a:buFont typeface="Arial" panose="020B0604020202020204" pitchFamily="34" charset="0"/>
-              <a:buChar char="•"/>
-            </a:pPr>
-            <a:r>
-              <a:rPr lang="en-US" b="0" i="0" u="none" strike="noStrike">
-                <a:solidFill>
-                  <a:srgbClr val="000000"/>
-                </a:solidFill>
-                <a:effectLst/>
-                <a:latin typeface="Times New Roman" panose="02020603050405020304" pitchFamily="18" charset="0"/>
-              </a:rPr>
-              <a:t>Hiển </a:t>
-            </a:r>
-            <a:r>
-              <a:rPr lang="en-US" b="0" i="0" u="none" strike="noStrike" dirty="0" err="1">
-                <a:solidFill>
-                  <a:srgbClr val="000000"/>
-                </a:solidFill>
-                <a:effectLst/>
-                <a:latin typeface="Times New Roman" panose="02020603050405020304" pitchFamily="18" charset="0"/>
-              </a:rPr>
-              <a:t>thị</a:t>
-            </a:r>
-            <a:r>
-              <a:rPr lang="en-US" b="0" i="0" u="none" strike="noStrike" dirty="0">
-                <a:solidFill>
-                  <a:srgbClr val="000000"/>
-                </a:solidFill>
-                <a:effectLst/>
-                <a:latin typeface="Times New Roman" panose="02020603050405020304" pitchFamily="18" charset="0"/>
-              </a:rPr>
-              <a:t> </a:t>
-            </a:r>
-            <a:r>
-              <a:rPr lang="en-US" b="0" i="0" u="none" strike="noStrike" dirty="0" err="1">
-                <a:solidFill>
-                  <a:srgbClr val="000000"/>
-                </a:solidFill>
-                <a:effectLst/>
-                <a:latin typeface="Times New Roman" panose="02020603050405020304" pitchFamily="18" charset="0"/>
-              </a:rPr>
-              <a:t>trạng</a:t>
-            </a:r>
-            <a:r>
-              <a:rPr lang="en-US" b="0" i="0" u="none" strike="noStrike" dirty="0">
-                <a:solidFill>
-                  <a:srgbClr val="000000"/>
-                </a:solidFill>
-                <a:effectLst/>
-                <a:latin typeface="Times New Roman" panose="02020603050405020304" pitchFamily="18" charset="0"/>
-              </a:rPr>
-              <a:t> </a:t>
-            </a:r>
-            <a:r>
-              <a:rPr lang="en-US" b="0" i="0" u="none" strike="noStrike" dirty="0" err="1">
-                <a:solidFill>
-                  <a:srgbClr val="000000"/>
-                </a:solidFill>
-                <a:effectLst/>
-                <a:latin typeface="Times New Roman" panose="02020603050405020304" pitchFamily="18" charset="0"/>
-              </a:rPr>
-              <a:t>thái</a:t>
-            </a:r>
-            <a:r>
-              <a:rPr lang="en-US" b="0" i="0" u="none" strike="noStrike" dirty="0">
-                <a:solidFill>
-                  <a:srgbClr val="000000"/>
-                </a:solidFill>
-                <a:effectLst/>
-                <a:latin typeface="Times New Roman" panose="02020603050405020304" pitchFamily="18" charset="0"/>
-              </a:rPr>
-              <a:t> </a:t>
-            </a:r>
-            <a:r>
-              <a:rPr lang="en-US" b="0" i="0" u="none" strike="noStrike" err="1">
-                <a:solidFill>
-                  <a:srgbClr val="000000"/>
-                </a:solidFill>
-                <a:effectLst/>
-                <a:latin typeface="Times New Roman" panose="02020603050405020304" pitchFamily="18" charset="0"/>
-              </a:rPr>
-              <a:t>vận</a:t>
-            </a:r>
-            <a:r>
-              <a:rPr lang="en-US" b="0" i="0" u="none" strike="noStrike">
-                <a:solidFill>
-                  <a:srgbClr val="000000"/>
-                </a:solidFill>
-                <a:effectLst/>
-                <a:latin typeface="Times New Roman" panose="02020603050405020304" pitchFamily="18" charset="0"/>
-              </a:rPr>
-              <a:t> hành, thông tin nhiệt độ độ ẩm.</a:t>
-            </a:r>
-          </a:p>
-          <a:p>
-            <a:pPr marL="685800" rtl="0" fontAlgn="base">
-              <a:spcBef>
-                <a:spcPts val="0"/>
-              </a:spcBef>
-              <a:spcAft>
-                <a:spcPts val="0"/>
-              </a:spcAft>
-              <a:buFont typeface="Arial" panose="020B0604020202020204" pitchFamily="34" charset="0"/>
-              <a:buChar char="•"/>
-            </a:pPr>
-            <a:r>
-              <a:rPr lang="en-US" b="0" i="0" u="none" strike="noStrike">
-                <a:solidFill>
-                  <a:srgbClr val="000000"/>
-                </a:solidFill>
-                <a:effectLst/>
-                <a:latin typeface="Times New Roman" panose="02020603050405020304" pitchFamily="18" charset="0"/>
-              </a:rPr>
-              <a:t>Thiết kế mô phỏng trên phần mềm mô phỏng Proteus.</a:t>
-            </a:r>
-          </a:p>
-          <a:p>
-            <a:pPr marL="685800" rtl="0" fontAlgn="base">
-              <a:spcBef>
-                <a:spcPts val="0"/>
-              </a:spcBef>
-              <a:spcAft>
-                <a:spcPts val="0"/>
-              </a:spcAft>
-              <a:buFont typeface="Arial" panose="020B0604020202020204" pitchFamily="34" charset="0"/>
-              <a:buChar char="•"/>
-            </a:pPr>
-            <a:r>
-              <a:rPr lang="en-US">
-                <a:solidFill>
-                  <a:srgbClr val="000000"/>
-                </a:solidFill>
-                <a:latin typeface="Times New Roman" panose="02020603050405020304" pitchFamily="18" charset="0"/>
-              </a:rPr>
-              <a:t>Xây dựng mã nguồn trên phần mềm Pic C.</a:t>
-            </a:r>
-            <a:endParaRPr lang="en-US" b="0" i="0" u="none" strike="noStrike" dirty="0">
-              <a:solidFill>
-                <a:srgbClr val="000000"/>
-              </a:solidFill>
-              <a:effectLst/>
-              <a:latin typeface="Times New Roman" panose="02020603050405020304" pitchFamily="18" charset="0"/>
-            </a:endParaRPr>
-          </a:p>
-          <a:p>
-            <a:endParaRPr lang="en-US" dirty="0"/>
+            <a:endParaRPr lang="en-US"/>
+          </a:p>
+        </p:txBody>
+      </p:sp>
+      <p:sp>
+        <p:nvSpPr>
+          <p:cNvPr id="6" name="Date Placeholder 5">
+            <a:extLst>
+              <a:ext uri="{FF2B5EF4-FFF2-40B4-BE49-F238E27FC236}">
+                <a16:creationId xmlns:a16="http://schemas.microsoft.com/office/drawing/2014/main" id="{67BE9683-D470-3D18-27DA-0781489AD841}"/>
+              </a:ext>
+            </a:extLst>
+          </p:cNvPr>
+          <p:cNvSpPr>
+            <a:spLocks noGrp="1"/>
+          </p:cNvSpPr>
+          <p:nvPr>
+            <p:ph type="dt" sz="half" idx="10"/>
+          </p:nvPr>
+        </p:nvSpPr>
+        <p:spPr/>
+        <p:txBody>
+          <a:bodyPr/>
+          <a:lstStyle/>
+          <a:p>
+            <a:fld id="{3C211ABF-DCEA-43E3-BAA1-FD23A25C4B41}" type="datetime1">
+              <a:rPr lang="en-US" smtClean="0"/>
+              <a:t>21/06/2022</a:t>
+            </a:fld>
+            <a:endParaRPr lang="en-US"/>
+          </a:p>
+        </p:txBody>
+      </p:sp>
+      <p:sp>
+        <p:nvSpPr>
+          <p:cNvPr id="7" name="Slide Number Placeholder 6">
+            <a:extLst>
+              <a:ext uri="{FF2B5EF4-FFF2-40B4-BE49-F238E27FC236}">
+                <a16:creationId xmlns:a16="http://schemas.microsoft.com/office/drawing/2014/main" id="{1A5BB428-6080-00FF-CBC4-4A56432A6FD9}"/>
+              </a:ext>
+            </a:extLst>
+          </p:cNvPr>
+          <p:cNvSpPr>
+            <a:spLocks noGrp="1"/>
+          </p:cNvSpPr>
+          <p:nvPr>
+            <p:ph type="sldNum" sz="quarter" idx="12"/>
+          </p:nvPr>
+        </p:nvSpPr>
+        <p:spPr/>
+        <p:txBody>
+          <a:bodyPr/>
+          <a:lstStyle/>
+          <a:p>
+            <a:fld id="{834A3715-FC91-284B-8702-1BAEDE956EBF}" type="slidenum">
+              <a:rPr lang="en-US" smtClean="0"/>
+              <a:t>4</a:t>
+            </a:fld>
+            <a:endParaRPr lang="en-US"/>
           </a:p>
         </p:txBody>
       </p:sp>
@@ -7196,47 +8058,179 @@
           <a:lstStyle/>
           <a:p>
             <a:r>
-              <a:rPr lang="en-US">
-                <a:latin typeface="Times New Roman" panose="02020603050405020304" pitchFamily="18" charset="0"/>
-                <a:cs typeface="Times New Roman" panose="02020603050405020304" pitchFamily="18" charset="0"/>
-              </a:rPr>
-              <a:t>Thiết kế</a:t>
-            </a:r>
-          </a:p>
-        </p:txBody>
-      </p:sp>
-      <p:pic>
-        <p:nvPicPr>
-          <p:cNvPr id="4" name="Content Placeholder 3" descr="Diagram&#10;&#10;Description automatically generated">
+              <a:rPr lang="en-US" dirty="0">
+                <a:cs typeface="Times New Roman" panose="02020603050405020304" pitchFamily="18" charset="0"/>
+              </a:rPr>
+              <a:t>3. </a:t>
+            </a:r>
+            <a:r>
+              <a:rPr lang="en-US" dirty="0" err="1">
+                <a:cs typeface="Times New Roman" panose="02020603050405020304" pitchFamily="18" charset="0"/>
+              </a:rPr>
+              <a:t>Phân</a:t>
+            </a:r>
+            <a:r>
+              <a:rPr lang="en-US" dirty="0">
+                <a:cs typeface="Times New Roman" panose="02020603050405020304" pitchFamily="18" charset="0"/>
+              </a:rPr>
+              <a:t> </a:t>
+            </a:r>
+            <a:r>
+              <a:rPr lang="en-US" dirty="0" err="1">
+                <a:cs typeface="Times New Roman" panose="02020603050405020304" pitchFamily="18" charset="0"/>
+              </a:rPr>
+              <a:t>tích</a:t>
+            </a:r>
+            <a:r>
+              <a:rPr lang="en-US" dirty="0">
+                <a:cs typeface="Times New Roman" panose="02020603050405020304" pitchFamily="18" charset="0"/>
+              </a:rPr>
+              <a:t> </a:t>
+            </a:r>
+            <a:r>
+              <a:rPr lang="en-US" dirty="0" err="1">
+                <a:cs typeface="Times New Roman" panose="02020603050405020304" pitchFamily="18" charset="0"/>
+              </a:rPr>
+              <a:t>và</a:t>
+            </a:r>
+            <a:r>
+              <a:rPr lang="en-US" dirty="0">
+                <a:cs typeface="Times New Roman" panose="02020603050405020304" pitchFamily="18" charset="0"/>
+              </a:rPr>
+              <a:t> </a:t>
+            </a:r>
+            <a:r>
+              <a:rPr lang="en-US" dirty="0" err="1">
+                <a:cs typeface="Times New Roman" panose="02020603050405020304" pitchFamily="18" charset="0"/>
+              </a:rPr>
+              <a:t>thiết</a:t>
+            </a:r>
+            <a:r>
+              <a:rPr lang="en-US" dirty="0">
+                <a:cs typeface="Times New Roman" panose="02020603050405020304" pitchFamily="18" charset="0"/>
+              </a:rPr>
+              <a:t> </a:t>
+            </a:r>
+            <a:r>
+              <a:rPr lang="en-US" dirty="0" err="1">
+                <a:cs typeface="Times New Roman" panose="02020603050405020304" pitchFamily="18" charset="0"/>
+              </a:rPr>
+              <a:t>kế</a:t>
+            </a:r>
+            <a:r>
+              <a:rPr lang="en-US" dirty="0">
+                <a:cs typeface="Times New Roman" panose="02020603050405020304" pitchFamily="18" charset="0"/>
+              </a:rPr>
+              <a:t> </a:t>
+            </a:r>
+            <a:r>
+              <a:rPr lang="en-US" dirty="0" err="1">
+                <a:cs typeface="Times New Roman" panose="02020603050405020304" pitchFamily="18" charset="0"/>
+              </a:rPr>
+              <a:t>hệ</a:t>
+            </a:r>
+            <a:r>
+              <a:rPr lang="en-US" dirty="0">
+                <a:cs typeface="Times New Roman" panose="02020603050405020304" pitchFamily="18" charset="0"/>
+              </a:rPr>
+              <a:t> </a:t>
+            </a:r>
+            <a:r>
+              <a:rPr lang="en-US" dirty="0" err="1">
+                <a:cs typeface="Times New Roman" panose="02020603050405020304" pitchFamily="18" charset="0"/>
+              </a:rPr>
+              <a:t>thống</a:t>
+            </a:r>
+            <a:endParaRPr lang="en-US" dirty="0">
+              <a:cs typeface="Times New Roman" panose="02020603050405020304" pitchFamily="18" charset="0"/>
+            </a:endParaRPr>
+          </a:p>
+        </p:txBody>
+      </p:sp>
+      <p:sp>
+        <p:nvSpPr>
+          <p:cNvPr id="5" name="Content Placeholder 4">
             <a:extLst>
               <a:ext uri="{FF2B5EF4-FFF2-40B4-BE49-F238E27FC236}">
-                <a16:creationId xmlns:a16="http://schemas.microsoft.com/office/drawing/2014/main" id="{500B743C-9CD7-4B38-AD6D-CD27A6BC4129}"/>
+                <a16:creationId xmlns:a16="http://schemas.microsoft.com/office/drawing/2014/main" id="{8109AED5-079B-6C84-664E-89A52AE585D5}"/>
               </a:ext>
             </a:extLst>
           </p:cNvPr>
-          <p:cNvPicPr>
-            <a:picLocks noGrp="1" noChangeAspect="1"/>
-          </p:cNvPicPr>
+          <p:cNvSpPr>
+            <a:spLocks noGrp="1"/>
+          </p:cNvSpPr>
           <p:nvPr>
             <p:ph idx="1"/>
           </p:nvPr>
-        </p:nvPicPr>
-        <p:blipFill>
-          <a:blip r:embed="rId2"/>
-          <a:stretch>
-            <a:fillRect/>
-          </a:stretch>
-        </p:blipFill>
-        <p:spPr>
-          <a:xfrm>
-            <a:off x="290513" y="920389"/>
-            <a:ext cx="8572500" cy="5342659"/>
-          </a:xfrm>
-          <a:prstGeom prst="rect">
-            <a:avLst/>
-          </a:prstGeom>
-        </p:spPr>
-      </p:pic>
+        </p:nvSpPr>
+        <p:spPr/>
+        <p:txBody>
+          <a:bodyPr/>
+          <a:lstStyle/>
+          <a:p>
+            <a:endParaRPr lang="en-US"/>
+          </a:p>
+        </p:txBody>
+      </p:sp>
+      <p:sp>
+        <p:nvSpPr>
+          <p:cNvPr id="6" name="Date Placeholder 5">
+            <a:extLst>
+              <a:ext uri="{FF2B5EF4-FFF2-40B4-BE49-F238E27FC236}">
+                <a16:creationId xmlns:a16="http://schemas.microsoft.com/office/drawing/2014/main" id="{6C826151-12D6-7F3F-C039-43D37243F124}"/>
+              </a:ext>
+            </a:extLst>
+          </p:cNvPr>
+          <p:cNvSpPr>
+            <a:spLocks noGrp="1"/>
+          </p:cNvSpPr>
+          <p:nvPr>
+            <p:ph type="dt" sz="half" idx="10"/>
+          </p:nvPr>
+        </p:nvSpPr>
+        <p:spPr/>
+        <p:txBody>
+          <a:bodyPr/>
+          <a:lstStyle/>
+          <a:p>
+            <a:fld id="{8836825D-BB3A-4D79-A470-13504993EAD7}" type="datetime1">
+              <a:rPr lang="en-US" smtClean="0"/>
+              <a:t>21/06/2022</a:t>
+            </a:fld>
+            <a:endParaRPr lang="en-US"/>
+          </a:p>
+        </p:txBody>
+      </p:sp>
+      <p:sp>
+        <p:nvSpPr>
+          <p:cNvPr id="7" name="Slide Number Placeholder 6">
+            <a:extLst>
+              <a:ext uri="{FF2B5EF4-FFF2-40B4-BE49-F238E27FC236}">
+                <a16:creationId xmlns:a16="http://schemas.microsoft.com/office/drawing/2014/main" id="{CC563E7C-11C4-028F-1806-B43B7CD2B585}"/>
+              </a:ext>
+            </a:extLst>
+          </p:cNvPr>
+          <p:cNvSpPr>
+            <a:spLocks noGrp="1"/>
+          </p:cNvSpPr>
+          <p:nvPr>
+            <p:ph type="sldNum" sz="quarter" idx="12"/>
+          </p:nvPr>
+        </p:nvSpPr>
+        <p:spPr/>
+        <p:txBody>
+          <a:bodyPr/>
+          <a:lstStyle/>
+          <a:p>
+            <a:fld id="{834A3715-FC91-284B-8702-1BAEDE956EBF}" type="slidenum">
+              <a:rPr lang="en-US" smtClean="0"/>
+              <a:pPr/>
+              <a:t>5</a:t>
+            </a:fld>
+            <a:endParaRPr lang="en-US"/>
+          </a:p>
+        </p:txBody>
+      </p:sp>
     </p:spTree>
     <p:extLst>
       <p:ext uri="{BB962C8B-B14F-4D97-AF65-F5344CB8AC3E}">
@@ -7297,51 +8291,179 @@
           <a:lstStyle/>
           <a:p>
             <a:r>
-              <a:rPr lang="en-US">
-                <a:latin typeface="Times New Roman" panose="02020603050405020304" pitchFamily="18" charset="0"/>
-                <a:cs typeface="Times New Roman" panose="02020603050405020304" pitchFamily="18" charset="0"/>
-              </a:rPr>
-              <a:t>Thiết kế</a:t>
+              <a:rPr lang="en-US" dirty="0">
+                <a:cs typeface="Times New Roman" panose="02020603050405020304" pitchFamily="18" charset="0"/>
+              </a:rPr>
+              <a:t>4. </a:t>
+            </a:r>
+            <a:r>
+              <a:rPr lang="en-US" dirty="0" err="1">
+                <a:cs typeface="Times New Roman" panose="02020603050405020304" pitchFamily="18" charset="0"/>
+              </a:rPr>
+              <a:t>Tích</a:t>
+            </a:r>
+            <a:r>
+              <a:rPr lang="en-US" dirty="0">
+                <a:cs typeface="Times New Roman" panose="02020603050405020304" pitchFamily="18" charset="0"/>
+              </a:rPr>
+              <a:t> </a:t>
+            </a:r>
+            <a:r>
+              <a:rPr lang="en-US" dirty="0" err="1">
+                <a:cs typeface="Times New Roman" panose="02020603050405020304" pitchFamily="18" charset="0"/>
+              </a:rPr>
+              <a:t>hợp</a:t>
+            </a:r>
+            <a:r>
+              <a:rPr lang="en-US" dirty="0">
+                <a:cs typeface="Times New Roman" panose="02020603050405020304" pitchFamily="18" charset="0"/>
+              </a:rPr>
+              <a:t> </a:t>
+            </a:r>
+            <a:r>
+              <a:rPr lang="en-US" dirty="0" err="1">
+                <a:cs typeface="Times New Roman" panose="02020603050405020304" pitchFamily="18" charset="0"/>
+              </a:rPr>
+              <a:t>và</a:t>
+            </a:r>
+            <a:r>
+              <a:rPr lang="en-US" dirty="0">
+                <a:cs typeface="Times New Roman" panose="02020603050405020304" pitchFamily="18" charset="0"/>
+              </a:rPr>
+              <a:t> </a:t>
+            </a:r>
+            <a:r>
+              <a:rPr lang="en-US" dirty="0" err="1">
+                <a:cs typeface="Times New Roman" panose="02020603050405020304" pitchFamily="18" charset="0"/>
+              </a:rPr>
+              <a:t>đánh</a:t>
+            </a:r>
+            <a:r>
+              <a:rPr lang="en-US" dirty="0">
+                <a:cs typeface="Times New Roman" panose="02020603050405020304" pitchFamily="18" charset="0"/>
+              </a:rPr>
+              <a:t> </a:t>
+            </a:r>
+            <a:r>
+              <a:rPr lang="en-US" dirty="0" err="1">
+                <a:cs typeface="Times New Roman" panose="02020603050405020304" pitchFamily="18" charset="0"/>
+              </a:rPr>
+              <a:t>giá</a:t>
+            </a:r>
+            <a:r>
+              <a:rPr lang="en-US" dirty="0">
+                <a:cs typeface="Times New Roman" panose="02020603050405020304" pitchFamily="18" charset="0"/>
+              </a:rPr>
+              <a:t> </a:t>
+            </a:r>
+            <a:r>
+              <a:rPr lang="en-US" dirty="0" err="1">
+                <a:cs typeface="Times New Roman" panose="02020603050405020304" pitchFamily="18" charset="0"/>
+              </a:rPr>
+              <a:t>hệ</a:t>
+            </a:r>
+            <a:r>
+              <a:rPr lang="en-US" dirty="0">
+                <a:cs typeface="Times New Roman" panose="02020603050405020304" pitchFamily="18" charset="0"/>
+              </a:rPr>
+              <a:t> </a:t>
+            </a:r>
+            <a:r>
+              <a:rPr lang="en-US" dirty="0" err="1">
+                <a:cs typeface="Times New Roman" panose="02020603050405020304" pitchFamily="18" charset="0"/>
+              </a:rPr>
+              <a:t>thống</a:t>
             </a:r>
             <a:endParaRPr lang="en-US" dirty="0">
-              <a:latin typeface="Times New Roman" panose="02020603050405020304" pitchFamily="18" charset="0"/>
               <a:cs typeface="Times New Roman" panose="02020603050405020304" pitchFamily="18" charset="0"/>
             </a:endParaRPr>
           </a:p>
         </p:txBody>
       </p:sp>
-      <p:pic>
-        <p:nvPicPr>
-          <p:cNvPr id="11" name="Content Placeholder 10" descr="Diagram, schematic&#10;&#10;Description automatically generated">
+      <p:sp>
+        <p:nvSpPr>
+          <p:cNvPr id="4" name="Content Placeholder 3">
             <a:extLst>
               <a:ext uri="{FF2B5EF4-FFF2-40B4-BE49-F238E27FC236}">
-                <a16:creationId xmlns:a16="http://schemas.microsoft.com/office/drawing/2014/main" id="{57835395-54BB-4072-BC3F-CD24E56971C7}"/>
+                <a16:creationId xmlns:a16="http://schemas.microsoft.com/office/drawing/2014/main" id="{EFA68F50-C380-7CC6-D4CE-0BD88F2DB88E}"/>
               </a:ext>
             </a:extLst>
           </p:cNvPr>
-          <p:cNvPicPr>
-            <a:picLocks noGrp="1" noChangeAspect="1"/>
-          </p:cNvPicPr>
+          <p:cNvSpPr>
+            <a:spLocks noGrp="1"/>
+          </p:cNvSpPr>
           <p:nvPr>
             <p:ph idx="1"/>
           </p:nvPr>
-        </p:nvPicPr>
-        <p:blipFill>
-          <a:blip r:embed="rId2"/>
-          <a:stretch>
-            <a:fillRect/>
-          </a:stretch>
-        </p:blipFill>
-        <p:spPr>
-          <a:xfrm>
-            <a:off x="955724" y="862013"/>
-            <a:ext cx="7242077" cy="5459412"/>
-          </a:xfrm>
-          <a:prstGeom prst="rect">
-            <a:avLst/>
-          </a:prstGeom>
-        </p:spPr>
-      </p:pic>
+        </p:nvSpPr>
+        <p:spPr/>
+        <p:txBody>
+          <a:bodyPr/>
+          <a:lstStyle/>
+          <a:p>
+            <a:endParaRPr lang="en-US"/>
+          </a:p>
+        </p:txBody>
+      </p:sp>
+      <p:sp>
+        <p:nvSpPr>
+          <p:cNvPr id="5" name="Date Placeholder 4">
+            <a:extLst>
+              <a:ext uri="{FF2B5EF4-FFF2-40B4-BE49-F238E27FC236}">
+                <a16:creationId xmlns:a16="http://schemas.microsoft.com/office/drawing/2014/main" id="{78EDE2CA-C221-294F-CCFD-8EC345A066DE}"/>
+              </a:ext>
+            </a:extLst>
+          </p:cNvPr>
+          <p:cNvSpPr>
+            <a:spLocks noGrp="1"/>
+          </p:cNvSpPr>
+          <p:nvPr>
+            <p:ph type="dt" sz="half" idx="10"/>
+          </p:nvPr>
+        </p:nvSpPr>
+        <p:spPr/>
+        <p:txBody>
+          <a:bodyPr/>
+          <a:lstStyle/>
+          <a:p>
+            <a:fld id="{C4006046-AE8E-4F17-AB31-0F0BF4CCC612}" type="datetime1">
+              <a:rPr lang="en-US" smtClean="0"/>
+              <a:t>21/06/2022</a:t>
+            </a:fld>
+            <a:endParaRPr lang="en-US"/>
+          </a:p>
+        </p:txBody>
+      </p:sp>
+      <p:sp>
+        <p:nvSpPr>
+          <p:cNvPr id="6" name="Slide Number Placeholder 5">
+            <a:extLst>
+              <a:ext uri="{FF2B5EF4-FFF2-40B4-BE49-F238E27FC236}">
+                <a16:creationId xmlns:a16="http://schemas.microsoft.com/office/drawing/2014/main" id="{CAF1F959-E443-C004-438E-EB71957EC5E7}"/>
+              </a:ext>
+            </a:extLst>
+          </p:cNvPr>
+          <p:cNvSpPr>
+            <a:spLocks noGrp="1"/>
+          </p:cNvSpPr>
+          <p:nvPr>
+            <p:ph type="sldNum" sz="quarter" idx="12"/>
+          </p:nvPr>
+        </p:nvSpPr>
+        <p:spPr/>
+        <p:txBody>
+          <a:bodyPr/>
+          <a:lstStyle/>
+          <a:p>
+            <a:fld id="{834A3715-FC91-284B-8702-1BAEDE956EBF}" type="slidenum">
+              <a:rPr lang="en-US" smtClean="0"/>
+              <a:pPr/>
+              <a:t>6</a:t>
+            </a:fld>
+            <a:endParaRPr lang="en-US"/>
+          </a:p>
+        </p:txBody>
+      </p:sp>
     </p:spTree>
     <p:extLst>
       <p:ext uri="{BB962C8B-B14F-4D97-AF65-F5344CB8AC3E}">
@@ -7406,44 +8528,119 @@
           <a:lstStyle/>
           <a:p>
             <a:r>
-              <a:rPr lang="en-US">
-                <a:latin typeface="Times New Roman" panose="02020603050405020304" pitchFamily="18" charset="0"/>
-                <a:cs typeface="Times New Roman" panose="02020603050405020304" pitchFamily="18" charset="0"/>
-              </a:rPr>
-              <a:t>Hướng dẫn vận hành</a:t>
-            </a:r>
-          </a:p>
-        </p:txBody>
-      </p:sp>
-      <p:pic>
-        <p:nvPicPr>
-          <p:cNvPr id="5" name="Content Placeholder 4">
+              <a:rPr lang="en-US" dirty="0">
+                <a:cs typeface="Times New Roman" panose="02020603050405020304" pitchFamily="18" charset="0"/>
+              </a:rPr>
+              <a:t>5. </a:t>
+            </a:r>
+            <a:r>
+              <a:rPr lang="en-US" dirty="0" err="1">
+                <a:cs typeface="Times New Roman" panose="02020603050405020304" pitchFamily="18" charset="0"/>
+              </a:rPr>
+              <a:t>Kết</a:t>
+            </a:r>
+            <a:r>
+              <a:rPr lang="en-US" dirty="0">
+                <a:cs typeface="Times New Roman" panose="02020603050405020304" pitchFamily="18" charset="0"/>
+              </a:rPr>
+              <a:t> </a:t>
+            </a:r>
+            <a:r>
+              <a:rPr lang="en-US" dirty="0" err="1">
+                <a:cs typeface="Times New Roman" panose="02020603050405020304" pitchFamily="18" charset="0"/>
+              </a:rPr>
+              <a:t>luận</a:t>
+            </a:r>
+            <a:endParaRPr lang="en-US" dirty="0">
+              <a:cs typeface="Times New Roman" panose="02020603050405020304" pitchFamily="18" charset="0"/>
+            </a:endParaRPr>
+          </a:p>
+        </p:txBody>
+      </p:sp>
+      <p:sp>
+        <p:nvSpPr>
+          <p:cNvPr id="4" name="Content Placeholder 3">
             <a:extLst>
               <a:ext uri="{FF2B5EF4-FFF2-40B4-BE49-F238E27FC236}">
-                <a16:creationId xmlns:a16="http://schemas.microsoft.com/office/drawing/2014/main" id="{0D7DD9DB-28EA-4921-8C2C-B1E928010841}"/>
+                <a16:creationId xmlns:a16="http://schemas.microsoft.com/office/drawing/2014/main" id="{23F199A8-A47A-B56E-E7C6-3D85BA9CA77D}"/>
               </a:ext>
             </a:extLst>
           </p:cNvPr>
-          <p:cNvPicPr>
-            <a:picLocks noGrp="1" noChangeAspect="1"/>
-          </p:cNvPicPr>
+          <p:cNvSpPr>
+            <a:spLocks noGrp="1"/>
+          </p:cNvSpPr>
           <p:nvPr>
             <p:ph idx="1"/>
           </p:nvPr>
-        </p:nvPicPr>
-        <p:blipFill>
-          <a:blip r:embed="rId2"/>
-          <a:stretch>
-            <a:fillRect/>
-          </a:stretch>
-        </p:blipFill>
-        <p:spPr>
-          <a:xfrm>
-            <a:off x="1770121" y="862013"/>
-            <a:ext cx="5613284" cy="5459412"/>
-          </a:xfrm>
-        </p:spPr>
-      </p:pic>
+        </p:nvSpPr>
+        <p:spPr/>
+        <p:txBody>
+          <a:bodyPr/>
+          <a:lstStyle/>
+          <a:p>
+            <a:endParaRPr lang="en-US"/>
+          </a:p>
+        </p:txBody>
+      </p:sp>
+      <p:sp>
+        <p:nvSpPr>
+          <p:cNvPr id="6" name="Date Placeholder 5">
+            <a:extLst>
+              <a:ext uri="{FF2B5EF4-FFF2-40B4-BE49-F238E27FC236}">
+                <a16:creationId xmlns:a16="http://schemas.microsoft.com/office/drawing/2014/main" id="{F8BDF1E9-EA01-B7B2-2341-BA23239FD831}"/>
+              </a:ext>
+            </a:extLst>
+          </p:cNvPr>
+          <p:cNvSpPr>
+            <a:spLocks noGrp="1"/>
+          </p:cNvSpPr>
+          <p:nvPr>
+            <p:ph type="dt" sz="half" idx="10"/>
+          </p:nvPr>
+        </p:nvSpPr>
+        <p:spPr/>
+        <p:txBody>
+          <a:bodyPr/>
+          <a:lstStyle/>
+          <a:p>
+            <a:fld id="{CA0CE35F-AC37-44D4-BEAC-2084285662E1}" type="datetime1">
+              <a:rPr lang="en-US" smtClean="0"/>
+              <a:t>21/06/2022</a:t>
+            </a:fld>
+            <a:endParaRPr lang="en-US"/>
+          </a:p>
+        </p:txBody>
+      </p:sp>
+      <p:sp>
+        <p:nvSpPr>
+          <p:cNvPr id="7" name="Slide Number Placeholder 6">
+            <a:extLst>
+              <a:ext uri="{FF2B5EF4-FFF2-40B4-BE49-F238E27FC236}">
+                <a16:creationId xmlns:a16="http://schemas.microsoft.com/office/drawing/2014/main" id="{5AC33A24-77A9-DEFC-4E5A-5FABD9099F4D}"/>
+              </a:ext>
+            </a:extLst>
+          </p:cNvPr>
+          <p:cNvSpPr>
+            <a:spLocks noGrp="1"/>
+          </p:cNvSpPr>
+          <p:nvPr>
+            <p:ph type="sldNum" sz="quarter" idx="12"/>
+          </p:nvPr>
+        </p:nvSpPr>
+        <p:spPr/>
+        <p:txBody>
+          <a:bodyPr/>
+          <a:lstStyle/>
+          <a:p>
+            <a:fld id="{834A3715-FC91-284B-8702-1BAEDE956EBF}" type="slidenum">
+              <a:rPr lang="en-US" smtClean="0"/>
+              <a:pPr/>
+              <a:t>7</a:t>
+            </a:fld>
+            <a:endParaRPr lang="en-US"/>
+          </a:p>
+        </p:txBody>
+      </p:sp>
     </p:spTree>
     <p:extLst>
       <p:ext uri="{BB962C8B-B14F-4D97-AF65-F5344CB8AC3E}">
@@ -7488,187 +8685,6 @@
       </p:grpSpPr>
       <p:sp>
         <p:nvSpPr>
-          <p:cNvPr id="2" name="Title 1">
-            <a:extLst>
-              <a:ext uri="{FF2B5EF4-FFF2-40B4-BE49-F238E27FC236}">
-                <a16:creationId xmlns:a16="http://schemas.microsoft.com/office/drawing/2014/main" id="{40C29851-9C57-40D3-B897-67368E0ED468}"/>
-              </a:ext>
-            </a:extLst>
-          </p:cNvPr>
-          <p:cNvSpPr>
-            <a:spLocks noGrp="1"/>
-          </p:cNvSpPr>
-          <p:nvPr>
-            <p:ph type="title"/>
-          </p:nvPr>
-        </p:nvSpPr>
-        <p:spPr/>
-        <p:txBody>
-          <a:bodyPr/>
-          <a:lstStyle/>
-          <a:p>
-            <a:r>
-              <a:rPr lang="en-US">
-                <a:latin typeface="Times New Roman" panose="02020603050405020304" pitchFamily="18" charset="0"/>
-                <a:cs typeface="Times New Roman" panose="02020603050405020304" pitchFamily="18" charset="0"/>
-              </a:rPr>
-              <a:t>Kết luận</a:t>
-            </a:r>
-          </a:p>
-        </p:txBody>
-      </p:sp>
-      <p:sp>
-        <p:nvSpPr>
-          <p:cNvPr id="3" name="Content Placeholder 2">
-            <a:extLst>
-              <a:ext uri="{FF2B5EF4-FFF2-40B4-BE49-F238E27FC236}">
-                <a16:creationId xmlns:a16="http://schemas.microsoft.com/office/drawing/2014/main" id="{F6DC8E6B-2E22-4262-86DB-CBDD866183FA}"/>
-              </a:ext>
-            </a:extLst>
-          </p:cNvPr>
-          <p:cNvSpPr>
-            <a:spLocks noGrp="1"/>
-          </p:cNvSpPr>
-          <p:nvPr>
-            <p:ph idx="1"/>
-          </p:nvPr>
-        </p:nvSpPr>
-        <p:spPr/>
-        <p:txBody>
-          <a:bodyPr/>
-          <a:lstStyle/>
-          <a:p>
-            <a:pPr marL="342900" indent="-342900">
-              <a:buFont typeface="Courier New" panose="02070309020205020404" pitchFamily="49" charset="0"/>
-              <a:buChar char="o"/>
-            </a:pPr>
-            <a:r>
-              <a:rPr lang="en-US">
-                <a:latin typeface="Leelawadee UI" panose="020B0502040204020203" pitchFamily="34" charset="-34"/>
-                <a:cs typeface="Leelawadee UI" panose="020B0502040204020203" pitchFamily="34" charset="-34"/>
-              </a:rPr>
-              <a:t>Sản phẩm đã cơ bản đáp ứng được các chức năng đặt ra của bài toán.</a:t>
-            </a:r>
-          </a:p>
-          <a:p>
-            <a:pPr marL="342900" indent="-342900">
-              <a:buFont typeface="Courier New" panose="02070309020205020404" pitchFamily="49" charset="0"/>
-              <a:buChar char="o"/>
-            </a:pPr>
-            <a:r>
-              <a:rPr lang="en-US">
-                <a:latin typeface="Leelawadee UI" panose="020B0502040204020203" pitchFamily="34" charset="-34"/>
-                <a:cs typeface="Leelawadee UI" panose="020B0502040204020203" pitchFamily="34" charset="-34"/>
-              </a:rPr>
-              <a:t>Hạn chế: </a:t>
-            </a:r>
-          </a:p>
-          <a:p>
-            <a:pPr marL="965200" indent="-449263">
-              <a:buFont typeface="Arial" panose="020B0604020202020204" pitchFamily="34" charset="0"/>
-              <a:buChar char="•"/>
-            </a:pPr>
-            <a:r>
-              <a:rPr lang="en-US">
-                <a:latin typeface="Leelawadee UI" panose="020B0502040204020203" pitchFamily="34" charset="-34"/>
-                <a:cs typeface="Leelawadee UI" panose="020B0502040204020203" pitchFamily="34" charset="-34"/>
-              </a:rPr>
-              <a:t>Chưa tối ưu hoàn toàn.</a:t>
-            </a:r>
-          </a:p>
-          <a:p>
-            <a:pPr marL="965200" indent="-449263"/>
-            <a:r>
-              <a:rPr lang="en-US">
-                <a:latin typeface="Leelawadee UI" panose="020B0502040204020203" pitchFamily="34" charset="-34"/>
-                <a:cs typeface="Leelawadee UI" panose="020B0502040204020203" pitchFamily="34" charset="-34"/>
-              </a:rPr>
-              <a:t>Chưa có mạch thật.</a:t>
-            </a:r>
-          </a:p>
-          <a:p>
-            <a:pPr marL="342900" indent="-342900">
-              <a:buFont typeface="Courier New" panose="02070309020205020404" pitchFamily="49" charset="0"/>
-              <a:buChar char="o"/>
-            </a:pPr>
-            <a:r>
-              <a:rPr lang="en-US">
-                <a:latin typeface="Leelawadee UI" panose="020B0502040204020203" pitchFamily="34" charset="-34"/>
-                <a:cs typeface="Leelawadee UI" panose="020B0502040204020203" pitchFamily="34" charset="-34"/>
-              </a:rPr>
-              <a:t>Hướng phát triển:</a:t>
-            </a:r>
-          </a:p>
-          <a:p>
-            <a:pPr marL="965200" indent="-449263">
-              <a:buFont typeface="Arial" panose="020B0604020202020204" pitchFamily="34" charset="0"/>
-              <a:buChar char="•"/>
-            </a:pPr>
-            <a:r>
-              <a:rPr lang="en-US">
-                <a:latin typeface="Leelawadee UI" panose="020B0502040204020203" pitchFamily="34" charset="-34"/>
-                <a:cs typeface="Leelawadee UI" panose="020B0502040204020203" pitchFamily="34" charset="-34"/>
-              </a:rPr>
-              <a:t>Tối ưu hệ thống và một số trường hợp sai xót trong thực tế</a:t>
-            </a:r>
-            <a:r>
-              <a:rPr lang="en-US">
-                <a:latin typeface="Times New Roman" panose="02020603050405020304" pitchFamily="18" charset="0"/>
-                <a:cs typeface="Times New Roman" panose="02020603050405020304" pitchFamily="18" charset="0"/>
-              </a:rPr>
-              <a:t>.</a:t>
-            </a:r>
-            <a:endParaRPr lang="en-US">
-              <a:latin typeface="Leelawadee UI" panose="020B0502040204020203" pitchFamily="34" charset="-34"/>
-              <a:cs typeface="Leelawadee UI" panose="020B0502040204020203" pitchFamily="34" charset="-34"/>
-            </a:endParaRPr>
-          </a:p>
-        </p:txBody>
-      </p:sp>
-    </p:spTree>
-    <p:extLst>
-      <p:ext uri="{BB962C8B-B14F-4D97-AF65-F5344CB8AC3E}">
-        <p14:creationId xmlns:p14="http://schemas.microsoft.com/office/powerpoint/2010/main" val="1016842611"/>
-      </p:ext>
-    </p:extLst>
-  </p:cSld>
-  <p:clrMapOvr>
-    <a:masterClrMapping/>
-  </p:clrMapOvr>
-  <mc:AlternateContent xmlns:mc="http://schemas.openxmlformats.org/markup-compatibility/2006" xmlns:p14="http://schemas.microsoft.com/office/powerpoint/2010/main">
-    <mc:Choice Requires="p14">
-      <p:transition spd="slow" p14:dur="1500">
-        <p:split orient="vert"/>
-      </p:transition>
-    </mc:Choice>
-    <mc:Fallback xmlns="">
-      <p:transition spd="slow">
-        <p:split orient="vert"/>
-      </p:transition>
-    </mc:Fallback>
-  </mc:AlternateContent>
-</p:sld>
-</file>
-
-<file path=ppt/slides/slide9.xml><?xml version="1.0" encoding="utf-8"?>
-<p:sld xmlns:a="http://schemas.openxmlformats.org/drawingml/2006/main" xmlns:r="http://schemas.openxmlformats.org/officeDocument/2006/relationships" xmlns:p="http://schemas.openxmlformats.org/presentationml/2006/main">
-  <p:cSld>
-    <p:spTree>
-      <p:nvGrpSpPr>
-        <p:cNvPr id="1" name=""/>
-        <p:cNvGrpSpPr/>
-        <p:nvPr/>
-      </p:nvGrpSpPr>
-      <p:grpSpPr>
-        <a:xfrm>
-          <a:off x="0" y="0"/>
-          <a:ext cx="0" cy="0"/>
-          <a:chOff x="0" y="0"/>
-          <a:chExt cx="0" cy="0"/>
-        </a:xfrm>
-      </p:grpSpPr>
-      <p:sp>
-        <p:nvSpPr>
           <p:cNvPr id="2" name="Title 1"/>
           <p:cNvSpPr>
             <a:spLocks noGrp="1"/>
@@ -7687,7 +8703,7 @@
           <a:bodyPr/>
           <a:lstStyle/>
           <a:p>
-            <a:endParaRPr lang="en-US">
+            <a:endParaRPr lang="en-US" dirty="0">
               <a:solidFill>
                 <a:schemeClr val="tx1"/>
               </a:solidFill>
@@ -7979,4 +8995,299 @@
     </a:ext>
   </a:extLst>
 </a:theme>
+</file>
+
+<file path=ppt/theme/theme2.xml><?xml version="1.0" encoding="utf-8"?>
+<a:theme xmlns:a="http://schemas.openxmlformats.org/drawingml/2006/main" name="Office Theme">
+  <a:themeElements>
+    <a:clrScheme name="Office">
+      <a:dk1>
+        <a:sysClr val="windowText" lastClr="000000"/>
+      </a:dk1>
+      <a:lt1>
+        <a:sysClr val="window" lastClr="FFFFFF"/>
+      </a:lt1>
+      <a:dk2>
+        <a:srgbClr val="44546A"/>
+      </a:dk2>
+      <a:lt2>
+        <a:srgbClr val="E7E6E6"/>
+      </a:lt2>
+      <a:accent1>
+        <a:srgbClr val="4472C4"/>
+      </a:accent1>
+      <a:accent2>
+        <a:srgbClr val="ED7D31"/>
+      </a:accent2>
+      <a:accent3>
+        <a:srgbClr val="A5A5A5"/>
+      </a:accent3>
+      <a:accent4>
+        <a:srgbClr val="FFC000"/>
+      </a:accent4>
+      <a:accent5>
+        <a:srgbClr val="5B9BD5"/>
+      </a:accent5>
+      <a:accent6>
+        <a:srgbClr val="70AD47"/>
+      </a:accent6>
+      <a:hlink>
+        <a:srgbClr val="0563C1"/>
+      </a:hlink>
+      <a:folHlink>
+        <a:srgbClr val="954F72"/>
+      </a:folHlink>
+    </a:clrScheme>
+    <a:fontScheme name="Office">
+      <a:majorFont>
+        <a:latin typeface="Calibri Light" panose="020F0302020204030204"/>
+        <a:ea typeface=""/>
+        <a:cs typeface=""/>
+        <a:font script="Jpan" typeface="游ゴシック Light"/>
+        <a:font script="Hang" typeface="맑은 고딕"/>
+        <a:font script="Hans" typeface="等线 Light"/>
+        <a:font script="Hant" typeface="新細明體"/>
+        <a:font script="Arab" typeface="Times New Roman"/>
+        <a:font script="Hebr" typeface="Times New Roman"/>
+        <a:font script="Thai" typeface="Angsana New"/>
+        <a:font script="Ethi" typeface="Nyala"/>
+        <a:font script="Beng" typeface="Vrinda"/>
+        <a:font script="Gujr" typeface="Shruti"/>
+        <a:font script="Khmr" typeface="MoolBoran"/>
+        <a:font script="Knda" typeface="Tunga"/>
+        <a:font script="Guru" typeface="Raavi"/>
+        <a:font script="Cans" typeface="Euphemia"/>
+        <a:font script="Cher" typeface="Plantagenet Cherokee"/>
+        <a:font script="Yiii" typeface="Microsoft Yi Baiti"/>
+        <a:font script="Tibt" typeface="Microsoft Himalaya"/>
+        <a:font script="Thaa" typeface="MV Boli"/>
+        <a:font script="Deva" typeface="Mangal"/>
+        <a:font script="Telu" typeface="Gautami"/>
+        <a:font script="Taml" typeface="Latha"/>
+        <a:font script="Syrc" typeface="Estrangelo Edessa"/>
+        <a:font script="Orya" typeface="Kalinga"/>
+        <a:font script="Mlym" typeface="Kartika"/>
+        <a:font script="Laoo" typeface="DokChampa"/>
+        <a:font script="Sinh" typeface="Iskoola Pota"/>
+        <a:font script="Mong" typeface="Mongolian Baiti"/>
+        <a:font script="Viet" typeface="Times New Roman"/>
+        <a:font script="Uigh" typeface="Microsoft Uighur"/>
+        <a:font script="Geor" typeface="Sylfaen"/>
+        <a:font script="Armn" typeface="Arial"/>
+        <a:font script="Bugi" typeface="Leelawadee UI"/>
+        <a:font script="Bopo" typeface="Microsoft JhengHei"/>
+        <a:font script="Java" typeface="Javanese Text"/>
+        <a:font script="Lisu" typeface="Segoe UI"/>
+        <a:font script="Mymr" typeface="Myanmar Text"/>
+        <a:font script="Nkoo" typeface="Ebrima"/>
+        <a:font script="Olck" typeface="Nirmala UI"/>
+        <a:font script="Osma" typeface="Ebrima"/>
+        <a:font script="Phag" typeface="Phagspa"/>
+        <a:font script="Syrn" typeface="Estrangelo Edessa"/>
+        <a:font script="Syrj" typeface="Estrangelo Edessa"/>
+        <a:font script="Syre" typeface="Estrangelo Edessa"/>
+        <a:font script="Sora" typeface="Nirmala UI"/>
+        <a:font script="Tale" typeface="Microsoft Tai Le"/>
+        <a:font script="Talu" typeface="Microsoft New Tai Lue"/>
+        <a:font script="Tfng" typeface="Ebrima"/>
+      </a:majorFont>
+      <a:minorFont>
+        <a:latin typeface="Calibri" panose="020F0502020204030204"/>
+        <a:ea typeface=""/>
+        <a:cs typeface=""/>
+        <a:font script="Jpan" typeface="游ゴシック"/>
+        <a:font script="Hang" typeface="맑은 고딕"/>
+        <a:font script="Hans" typeface="等线"/>
+        <a:font script="Hant" typeface="新細明體"/>
+        <a:font script="Arab" typeface="Arial"/>
+        <a:font script="Hebr" typeface="Arial"/>
+        <a:font script="Thai" typeface="Cordia New"/>
+        <a:font script="Ethi" typeface="Nyala"/>
+        <a:font script="Beng" typeface="Vrinda"/>
+        <a:font script="Gujr" typeface="Shruti"/>
+        <a:font script="Khmr" typeface="DaunPenh"/>
+        <a:font script="Knda" typeface="Tunga"/>
+        <a:font script="Guru" typeface="Raavi"/>
+        <a:font script="Cans" typeface="Euphemia"/>
+        <a:font script="Cher" typeface="Plantagenet Cherokee"/>
+        <a:font script="Yiii" typeface="Microsoft Yi Baiti"/>
+        <a:font script="Tibt" typeface="Microsoft Himalaya"/>
+        <a:font script="Thaa" typeface="MV Boli"/>
+        <a:font script="Deva" typeface="Mangal"/>
+        <a:font script="Telu" typeface="Gautami"/>
+        <a:font script="Taml" typeface="Latha"/>
+        <a:font script="Syrc" typeface="Estrangelo Edessa"/>
+        <a:font script="Orya" typeface="Kalinga"/>
+        <a:font script="Mlym" typeface="Kartika"/>
+        <a:font script="Laoo" typeface="DokChampa"/>
+        <a:font script="Sinh" typeface="Iskoola Pota"/>
+        <a:font script="Mong" typeface="Mongolian Baiti"/>
+        <a:font script="Viet" typeface="Arial"/>
+        <a:font script="Uigh" typeface="Microsoft Uighur"/>
+        <a:font script="Geor" typeface="Sylfaen"/>
+        <a:font script="Armn" typeface="Arial"/>
+        <a:font script="Bugi" typeface="Leelawadee UI"/>
+        <a:font script="Bopo" typeface="Microsoft JhengHei"/>
+        <a:font script="Java" typeface="Javanese Text"/>
+        <a:font script="Lisu" typeface="Segoe UI"/>
+        <a:font script="Mymr" typeface="Myanmar Text"/>
+        <a:font script="Nkoo" typeface="Ebrima"/>
+        <a:font script="Olck" typeface="Nirmala UI"/>
+        <a:font script="Osma" typeface="Ebrima"/>
+        <a:font script="Phag" typeface="Phagspa"/>
+        <a:font script="Syrn" typeface="Estrangelo Edessa"/>
+        <a:font script="Syrj" typeface="Estrangelo Edessa"/>
+        <a:font script="Syre" typeface="Estrangelo Edessa"/>
+        <a:font script="Sora" typeface="Nirmala UI"/>
+        <a:font script="Tale" typeface="Microsoft Tai Le"/>
+        <a:font script="Talu" typeface="Microsoft New Tai Lue"/>
+        <a:font script="Tfng" typeface="Ebrima"/>
+      </a:minorFont>
+    </a:fontScheme>
+    <a:fmtScheme name="Office">
+      <a:fillStyleLst>
+        <a:solidFill>
+          <a:schemeClr val="phClr"/>
+        </a:solidFill>
+        <a:gradFill rotWithShape="1">
+          <a:gsLst>
+            <a:gs pos="0">
+              <a:schemeClr val="phClr">
+                <a:lumMod val="110000"/>
+                <a:satMod val="105000"/>
+                <a:tint val="67000"/>
+              </a:schemeClr>
+            </a:gs>
+            <a:gs pos="50000">
+              <a:schemeClr val="phClr">
+                <a:lumMod val="105000"/>
+                <a:satMod val="103000"/>
+                <a:tint val="73000"/>
+              </a:schemeClr>
+            </a:gs>
+            <a:gs pos="100000">
+              <a:schemeClr val="phClr">
+                <a:lumMod val="105000"/>
+                <a:satMod val="109000"/>
+                <a:tint val="81000"/>
+              </a:schemeClr>
+            </a:gs>
+          </a:gsLst>
+          <a:lin ang="5400000" scaled="0"/>
+        </a:gradFill>
+        <a:gradFill rotWithShape="1">
+          <a:gsLst>
+            <a:gs pos="0">
+              <a:schemeClr val="phClr">
+                <a:satMod val="103000"/>
+                <a:lumMod val="102000"/>
+                <a:tint val="94000"/>
+              </a:schemeClr>
+            </a:gs>
+            <a:gs pos="50000">
+              <a:schemeClr val="phClr">
+                <a:satMod val="110000"/>
+                <a:lumMod val="100000"/>
+                <a:shade val="100000"/>
+              </a:schemeClr>
+            </a:gs>
+            <a:gs pos="100000">
+              <a:schemeClr val="phClr">
+                <a:lumMod val="99000"/>
+                <a:satMod val="120000"/>
+                <a:shade val="78000"/>
+              </a:schemeClr>
+            </a:gs>
+          </a:gsLst>
+          <a:lin ang="5400000" scaled="0"/>
+        </a:gradFill>
+      </a:fillStyleLst>
+      <a:lnStyleLst>
+        <a:ln w="6350" cap="flat" cmpd="sng" algn="ctr">
+          <a:solidFill>
+            <a:schemeClr val="phClr"/>
+          </a:solidFill>
+          <a:prstDash val="solid"/>
+          <a:miter lim="800000"/>
+        </a:ln>
+        <a:ln w="12700" cap="flat" cmpd="sng" algn="ctr">
+          <a:solidFill>
+            <a:schemeClr val="phClr"/>
+          </a:solidFill>
+          <a:prstDash val="solid"/>
+          <a:miter lim="800000"/>
+        </a:ln>
+        <a:ln w="19050" cap="flat" cmpd="sng" algn="ctr">
+          <a:solidFill>
+            <a:schemeClr val="phClr"/>
+          </a:solidFill>
+          <a:prstDash val="solid"/>
+          <a:miter lim="800000"/>
+        </a:ln>
+      </a:lnStyleLst>
+      <a:effectStyleLst>
+        <a:effectStyle>
+          <a:effectLst/>
+        </a:effectStyle>
+        <a:effectStyle>
+          <a:effectLst/>
+        </a:effectStyle>
+        <a:effectStyle>
+          <a:effectLst>
+            <a:outerShdw blurRad="57150" dist="19050" dir="5400000" algn="ctr" rotWithShape="0">
+              <a:srgbClr val="000000">
+                <a:alpha val="63000"/>
+              </a:srgbClr>
+            </a:outerShdw>
+          </a:effectLst>
+        </a:effectStyle>
+      </a:effectStyleLst>
+      <a:bgFillStyleLst>
+        <a:solidFill>
+          <a:schemeClr val="phClr"/>
+        </a:solidFill>
+        <a:solidFill>
+          <a:schemeClr val="phClr">
+            <a:tint val="95000"/>
+            <a:satMod val="170000"/>
+          </a:schemeClr>
+        </a:solidFill>
+        <a:gradFill rotWithShape="1">
+          <a:gsLst>
+            <a:gs pos="0">
+              <a:schemeClr val="phClr">
+                <a:tint val="93000"/>
+                <a:satMod val="150000"/>
+                <a:shade val="98000"/>
+                <a:lumMod val="102000"/>
+              </a:schemeClr>
+            </a:gs>
+            <a:gs pos="50000">
+              <a:schemeClr val="phClr">
+                <a:tint val="98000"/>
+                <a:satMod val="130000"/>
+                <a:shade val="90000"/>
+                <a:lumMod val="103000"/>
+              </a:schemeClr>
+            </a:gs>
+            <a:gs pos="100000">
+              <a:schemeClr val="phClr">
+                <a:shade val="63000"/>
+                <a:satMod val="120000"/>
+              </a:schemeClr>
+            </a:gs>
+          </a:gsLst>
+          <a:lin ang="5400000" scaled="0"/>
+        </a:gradFill>
+      </a:bgFillStyleLst>
+    </a:fmtScheme>
+  </a:themeElements>
+  <a:objectDefaults/>
+  <a:extraClrSchemeLst/>
+  <a:extLst>
+    <a:ext uri="{05A4C25C-085E-4340-85A3-A5531E510DB2}">
+      <thm15:themeFamily xmlns:thm15="http://schemas.microsoft.com/office/thememl/2012/main" name="Office Theme" id="{62F939B6-93AF-4DB8-9C6B-D6C7DFDC589F}" vid="{4A3C46E8-61CC-4603-A589-7422A47A8E4A}"/>
+    </a:ext>
+  </a:extLst>
+</a:theme>
 </file>